--- a/docs/results.pptx
+++ b/docs/results.pptx
@@ -10,10 +10,11 @@
     <p:sldId id="263" r:id="rId4"/>
     <p:sldId id="260" r:id="rId5"/>
     <p:sldId id="264" r:id="rId6"/>
-    <p:sldId id="261" r:id="rId7"/>
-    <p:sldId id="265" r:id="rId8"/>
+    <p:sldId id="265" r:id="rId7"/>
+    <p:sldId id="267" r:id="rId8"/>
     <p:sldId id="262" r:id="rId9"/>
-    <p:sldId id="259" r:id="rId10"/>
+    <p:sldId id="266" r:id="rId10"/>
+    <p:sldId id="259" r:id="rId11"/>
   </p:sldIdLst>
   <p:sldSz cx="12192000" cy="6858000"/>
   <p:notesSz cx="6858000" cy="9144000"/>
@@ -3911,6 +3912,639 @@
 </p:sld>
 </file>
 
+<file path=ppt/slides/slide10.xml><?xml version="1.0" encoding="utf-8"?>
+<p:sld xmlns:a="http://schemas.openxmlformats.org/drawingml/2006/main" xmlns:r="http://schemas.openxmlformats.org/officeDocument/2006/relationships" xmlns:p="http://schemas.openxmlformats.org/presentationml/2006/main">
+  <p:cSld>
+    <p:spTree>
+      <p:nvGrpSpPr>
+        <p:cNvPr id="1" name=""/>
+        <p:cNvGrpSpPr/>
+        <p:nvPr/>
+      </p:nvGrpSpPr>
+      <p:grpSpPr>
+        <a:xfrm>
+          <a:off x="0" y="0"/>
+          <a:ext cx="0" cy="0"/>
+          <a:chOff x="0" y="0"/>
+          <a:chExt cx="0" cy="0"/>
+        </a:xfrm>
+      </p:grpSpPr>
+      <p:sp>
+        <p:nvSpPr>
+          <p:cNvPr id="2" name="Titel 1">
+            <a:extLst>
+              <a:ext uri="{FF2B5EF4-FFF2-40B4-BE49-F238E27FC236}">
+                <a16:creationId xmlns:a16="http://schemas.microsoft.com/office/drawing/2014/main" id="{C9AD3B6C-1E76-5624-291C-A024B97596D4}"/>
+              </a:ext>
+            </a:extLst>
+          </p:cNvPr>
+          <p:cNvSpPr>
+            <a:spLocks noGrp="1"/>
+          </p:cNvSpPr>
+          <p:nvPr>
+            <p:ph type="title"/>
+          </p:nvPr>
+        </p:nvSpPr>
+        <p:spPr/>
+        <p:txBody>
+          <a:bodyPr/>
+          <a:lstStyle/>
+          <a:p>
+            <a:r>
+              <a:rPr lang="de-AT" dirty="0"/>
+              <a:t>References</a:t>
+            </a:r>
+          </a:p>
+        </p:txBody>
+      </p:sp>
+      <p:sp>
+        <p:nvSpPr>
+          <p:cNvPr id="3" name="Inhaltsplatzhalter 2">
+            <a:extLst>
+              <a:ext uri="{FF2B5EF4-FFF2-40B4-BE49-F238E27FC236}">
+                <a16:creationId xmlns:a16="http://schemas.microsoft.com/office/drawing/2014/main" id="{074C08D1-23F7-8C15-5508-8839189345DA}"/>
+              </a:ext>
+            </a:extLst>
+          </p:cNvPr>
+          <p:cNvSpPr>
+            <a:spLocks noGrp="1"/>
+          </p:cNvSpPr>
+          <p:nvPr>
+            <p:ph idx="1"/>
+          </p:nvPr>
+        </p:nvSpPr>
+        <p:spPr/>
+        <p:txBody>
+          <a:bodyPr/>
+          <a:lstStyle/>
+          <a:p>
+            <a:r>
+              <a:rPr lang="en-US" b="0" i="0" dirty="0">
+                <a:solidFill>
+                  <a:srgbClr val="222222"/>
+                </a:solidFill>
+                <a:effectLst/>
+                <a:latin typeface="Arial" panose="020B0604020202020204" pitchFamily="34" charset="0"/>
+              </a:rPr>
+              <a:t>Jang, Sung Ho, et al. "The study of genetic algorithm-based task scheduling for cloud computing." </a:t>
+            </a:r>
+            <a:r>
+              <a:rPr lang="en-US" b="0" i="1" dirty="0">
+                <a:solidFill>
+                  <a:srgbClr val="222222"/>
+                </a:solidFill>
+                <a:effectLst/>
+                <a:latin typeface="Arial" panose="020B0604020202020204" pitchFamily="34" charset="0"/>
+              </a:rPr>
+              <a:t>International Journal of Control and Automation</a:t>
+            </a:r>
+            <a:r>
+              <a:rPr lang="en-US" b="0" i="0" dirty="0">
+                <a:solidFill>
+                  <a:srgbClr val="222222"/>
+                </a:solidFill>
+                <a:effectLst/>
+                <a:latin typeface="Arial" panose="020B0604020202020204" pitchFamily="34" charset="0"/>
+              </a:rPr>
+              <a:t> 5.4 (2012): 157-162.</a:t>
+            </a:r>
+          </a:p>
+          <a:p>
+            <a:r>
+              <a:rPr lang="de-AT" b="0" i="0" dirty="0" err="1">
+                <a:solidFill>
+                  <a:srgbClr val="222222"/>
+                </a:solidFill>
+                <a:effectLst/>
+                <a:latin typeface="Arial" panose="020B0604020202020204" pitchFamily="34" charset="0"/>
+              </a:rPr>
+              <a:t>Pezzella</a:t>
+            </a:r>
+            <a:r>
+              <a:rPr lang="de-AT" b="0" i="0" dirty="0">
+                <a:solidFill>
+                  <a:srgbClr val="222222"/>
+                </a:solidFill>
+                <a:effectLst/>
+                <a:latin typeface="Arial" panose="020B0604020202020204" pitchFamily="34" charset="0"/>
+              </a:rPr>
+              <a:t>, Ferdinando, Gianluca </a:t>
+            </a:r>
+            <a:r>
+              <a:rPr lang="de-AT" b="0" i="0" dirty="0" err="1">
+                <a:solidFill>
+                  <a:srgbClr val="222222"/>
+                </a:solidFill>
+                <a:effectLst/>
+                <a:latin typeface="Arial" panose="020B0604020202020204" pitchFamily="34" charset="0"/>
+              </a:rPr>
+              <a:t>Morganti</a:t>
+            </a:r>
+            <a:r>
+              <a:rPr lang="de-AT" b="0" i="0" dirty="0">
+                <a:solidFill>
+                  <a:srgbClr val="222222"/>
+                </a:solidFill>
+                <a:effectLst/>
+                <a:latin typeface="Arial" panose="020B0604020202020204" pitchFamily="34" charset="0"/>
+              </a:rPr>
+              <a:t>, and Giampiero </a:t>
+            </a:r>
+            <a:r>
+              <a:rPr lang="de-AT" b="0" i="0" dirty="0" err="1">
+                <a:solidFill>
+                  <a:srgbClr val="222222"/>
+                </a:solidFill>
+                <a:effectLst/>
+                <a:latin typeface="Arial" panose="020B0604020202020204" pitchFamily="34" charset="0"/>
+              </a:rPr>
+              <a:t>Ciaschetti</a:t>
+            </a:r>
+            <a:r>
+              <a:rPr lang="de-AT" b="0" i="0" dirty="0">
+                <a:solidFill>
+                  <a:srgbClr val="222222"/>
+                </a:solidFill>
+                <a:effectLst/>
+                <a:latin typeface="Arial" panose="020B0604020202020204" pitchFamily="34" charset="0"/>
+              </a:rPr>
+              <a:t>. "A </a:t>
+            </a:r>
+            <a:r>
+              <a:rPr lang="de-AT" b="0" i="0" dirty="0" err="1">
+                <a:solidFill>
+                  <a:srgbClr val="222222"/>
+                </a:solidFill>
+                <a:effectLst/>
+                <a:latin typeface="Arial" panose="020B0604020202020204" pitchFamily="34" charset="0"/>
+              </a:rPr>
+              <a:t>genetic</a:t>
+            </a:r>
+            <a:r>
+              <a:rPr lang="de-AT" b="0" i="0" dirty="0">
+                <a:solidFill>
+                  <a:srgbClr val="222222"/>
+                </a:solidFill>
+                <a:effectLst/>
+                <a:latin typeface="Arial" panose="020B0604020202020204" pitchFamily="34" charset="0"/>
+              </a:rPr>
+              <a:t> </a:t>
+            </a:r>
+            <a:r>
+              <a:rPr lang="de-AT" b="0" i="0" dirty="0" err="1">
+                <a:solidFill>
+                  <a:srgbClr val="222222"/>
+                </a:solidFill>
+                <a:effectLst/>
+                <a:latin typeface="Arial" panose="020B0604020202020204" pitchFamily="34" charset="0"/>
+              </a:rPr>
+              <a:t>algorithm</a:t>
+            </a:r>
+            <a:r>
+              <a:rPr lang="de-AT" b="0" i="0" dirty="0">
+                <a:solidFill>
+                  <a:srgbClr val="222222"/>
+                </a:solidFill>
+                <a:effectLst/>
+                <a:latin typeface="Arial" panose="020B0604020202020204" pitchFamily="34" charset="0"/>
+              </a:rPr>
+              <a:t> </a:t>
+            </a:r>
+            <a:r>
+              <a:rPr lang="de-AT" b="0" i="0" dirty="0" err="1">
+                <a:solidFill>
+                  <a:srgbClr val="222222"/>
+                </a:solidFill>
+                <a:effectLst/>
+                <a:latin typeface="Arial" panose="020B0604020202020204" pitchFamily="34" charset="0"/>
+              </a:rPr>
+              <a:t>for</a:t>
+            </a:r>
+            <a:r>
+              <a:rPr lang="de-AT" b="0" i="0" dirty="0">
+                <a:solidFill>
+                  <a:srgbClr val="222222"/>
+                </a:solidFill>
+                <a:effectLst/>
+                <a:latin typeface="Arial" panose="020B0604020202020204" pitchFamily="34" charset="0"/>
+              </a:rPr>
+              <a:t> </a:t>
+            </a:r>
+            <a:r>
+              <a:rPr lang="de-AT" b="0" i="0" dirty="0" err="1">
+                <a:solidFill>
+                  <a:srgbClr val="222222"/>
+                </a:solidFill>
+                <a:effectLst/>
+                <a:latin typeface="Arial" panose="020B0604020202020204" pitchFamily="34" charset="0"/>
+              </a:rPr>
+              <a:t>the</a:t>
+            </a:r>
+            <a:r>
+              <a:rPr lang="de-AT" b="0" i="0" dirty="0">
+                <a:solidFill>
+                  <a:srgbClr val="222222"/>
+                </a:solidFill>
+                <a:effectLst/>
+                <a:latin typeface="Arial" panose="020B0604020202020204" pitchFamily="34" charset="0"/>
+              </a:rPr>
+              <a:t> flexible job-shop </a:t>
+            </a:r>
+            <a:r>
+              <a:rPr lang="de-AT" b="0" i="0" dirty="0" err="1">
+                <a:solidFill>
+                  <a:srgbClr val="222222"/>
+                </a:solidFill>
+                <a:effectLst/>
+                <a:latin typeface="Arial" panose="020B0604020202020204" pitchFamily="34" charset="0"/>
+              </a:rPr>
+              <a:t>scheduling</a:t>
+            </a:r>
+            <a:r>
+              <a:rPr lang="de-AT" b="0" i="0" dirty="0">
+                <a:solidFill>
+                  <a:srgbClr val="222222"/>
+                </a:solidFill>
+                <a:effectLst/>
+                <a:latin typeface="Arial" panose="020B0604020202020204" pitchFamily="34" charset="0"/>
+              </a:rPr>
+              <a:t> </a:t>
+            </a:r>
+            <a:r>
+              <a:rPr lang="de-AT" b="0" i="0" dirty="0" err="1">
+                <a:solidFill>
+                  <a:srgbClr val="222222"/>
+                </a:solidFill>
+                <a:effectLst/>
+                <a:latin typeface="Arial" panose="020B0604020202020204" pitchFamily="34" charset="0"/>
+              </a:rPr>
+              <a:t>problem</a:t>
+            </a:r>
+            <a:r>
+              <a:rPr lang="de-AT" b="0" i="0" dirty="0">
+                <a:solidFill>
+                  <a:srgbClr val="222222"/>
+                </a:solidFill>
+                <a:effectLst/>
+                <a:latin typeface="Arial" panose="020B0604020202020204" pitchFamily="34" charset="0"/>
+              </a:rPr>
+              <a:t>." </a:t>
+            </a:r>
+            <a:r>
+              <a:rPr lang="de-AT" b="0" i="1" dirty="0">
+                <a:solidFill>
+                  <a:srgbClr val="222222"/>
+                </a:solidFill>
+                <a:effectLst/>
+                <a:latin typeface="Arial" panose="020B0604020202020204" pitchFamily="34" charset="0"/>
+              </a:rPr>
+              <a:t>Computers &amp; </a:t>
+            </a:r>
+            <a:r>
+              <a:rPr lang="de-AT" b="0" i="1" dirty="0" err="1">
+                <a:solidFill>
+                  <a:srgbClr val="222222"/>
+                </a:solidFill>
+                <a:effectLst/>
+                <a:latin typeface="Arial" panose="020B0604020202020204" pitchFamily="34" charset="0"/>
+              </a:rPr>
+              <a:t>operations</a:t>
+            </a:r>
+            <a:r>
+              <a:rPr lang="de-AT" b="0" i="1" dirty="0">
+                <a:solidFill>
+                  <a:srgbClr val="222222"/>
+                </a:solidFill>
+                <a:effectLst/>
+                <a:latin typeface="Arial" panose="020B0604020202020204" pitchFamily="34" charset="0"/>
+              </a:rPr>
+              <a:t> </a:t>
+            </a:r>
+            <a:r>
+              <a:rPr lang="de-AT" b="0" i="1" dirty="0" err="1">
+                <a:solidFill>
+                  <a:srgbClr val="222222"/>
+                </a:solidFill>
+                <a:effectLst/>
+                <a:latin typeface="Arial" panose="020B0604020202020204" pitchFamily="34" charset="0"/>
+              </a:rPr>
+              <a:t>research</a:t>
+            </a:r>
+            <a:r>
+              <a:rPr lang="de-AT" b="0" i="0" dirty="0">
+                <a:solidFill>
+                  <a:srgbClr val="222222"/>
+                </a:solidFill>
+                <a:effectLst/>
+                <a:latin typeface="Arial" panose="020B0604020202020204" pitchFamily="34" charset="0"/>
+              </a:rPr>
+              <a:t> 35.10 (2008): 3202-3212.</a:t>
+            </a:r>
+            <a:endParaRPr lang="en-US" dirty="0">
+              <a:solidFill>
+                <a:srgbClr val="222222"/>
+              </a:solidFill>
+              <a:latin typeface="Arial" panose="020B0604020202020204" pitchFamily="34" charset="0"/>
+            </a:endParaRPr>
+          </a:p>
+          <a:p>
+            <a:r>
+              <a:rPr lang="de-AT" b="0" i="0" dirty="0" err="1">
+                <a:solidFill>
+                  <a:srgbClr val="222222"/>
+                </a:solidFill>
+                <a:effectLst/>
+                <a:latin typeface="Arial" panose="020B0604020202020204" pitchFamily="34" charset="0"/>
+              </a:rPr>
+              <a:t>Agarwal</a:t>
+            </a:r>
+            <a:r>
+              <a:rPr lang="de-AT" b="0" i="0" dirty="0">
+                <a:solidFill>
+                  <a:srgbClr val="222222"/>
+                </a:solidFill>
+                <a:effectLst/>
+                <a:latin typeface="Arial" panose="020B0604020202020204" pitchFamily="34" charset="0"/>
+              </a:rPr>
+              <a:t>, </a:t>
+            </a:r>
+            <a:r>
+              <a:rPr lang="de-AT" b="0" i="0" dirty="0" err="1">
+                <a:solidFill>
+                  <a:srgbClr val="222222"/>
+                </a:solidFill>
+                <a:effectLst/>
+                <a:latin typeface="Arial" panose="020B0604020202020204" pitchFamily="34" charset="0"/>
+              </a:rPr>
+              <a:t>Mohit</a:t>
+            </a:r>
+            <a:r>
+              <a:rPr lang="de-AT" b="0" i="0" dirty="0">
+                <a:solidFill>
+                  <a:srgbClr val="222222"/>
+                </a:solidFill>
+                <a:effectLst/>
+                <a:latin typeface="Arial" panose="020B0604020202020204" pitchFamily="34" charset="0"/>
+              </a:rPr>
+              <a:t>, and Gur </a:t>
+            </a:r>
+            <a:r>
+              <a:rPr lang="de-AT" b="0" i="0" dirty="0" err="1">
+                <a:solidFill>
+                  <a:srgbClr val="222222"/>
+                </a:solidFill>
+                <a:effectLst/>
+                <a:latin typeface="Arial" panose="020B0604020202020204" pitchFamily="34" charset="0"/>
+              </a:rPr>
+              <a:t>Mauj</a:t>
+            </a:r>
+            <a:r>
+              <a:rPr lang="de-AT" b="0" i="0" dirty="0">
+                <a:solidFill>
+                  <a:srgbClr val="222222"/>
+                </a:solidFill>
+                <a:effectLst/>
+                <a:latin typeface="Arial" panose="020B0604020202020204" pitchFamily="34" charset="0"/>
+              </a:rPr>
+              <a:t> </a:t>
+            </a:r>
+            <a:r>
+              <a:rPr lang="de-AT" b="0" i="0" dirty="0" err="1">
+                <a:solidFill>
+                  <a:srgbClr val="222222"/>
+                </a:solidFill>
+                <a:effectLst/>
+                <a:latin typeface="Arial" panose="020B0604020202020204" pitchFamily="34" charset="0"/>
+              </a:rPr>
+              <a:t>Saran</a:t>
+            </a:r>
+            <a:r>
+              <a:rPr lang="de-AT" b="0" i="0" dirty="0">
+                <a:solidFill>
+                  <a:srgbClr val="222222"/>
+                </a:solidFill>
+                <a:effectLst/>
+                <a:latin typeface="Arial" panose="020B0604020202020204" pitchFamily="34" charset="0"/>
+              </a:rPr>
+              <a:t> </a:t>
+            </a:r>
+            <a:r>
+              <a:rPr lang="de-AT" b="0" i="0" dirty="0" err="1">
+                <a:solidFill>
+                  <a:srgbClr val="222222"/>
+                </a:solidFill>
+                <a:effectLst/>
+                <a:latin typeface="Arial" panose="020B0604020202020204" pitchFamily="34" charset="0"/>
+              </a:rPr>
+              <a:t>Srivastava</a:t>
+            </a:r>
+            <a:r>
+              <a:rPr lang="de-AT" b="0" i="0" dirty="0">
+                <a:solidFill>
+                  <a:srgbClr val="222222"/>
+                </a:solidFill>
+                <a:effectLst/>
+                <a:latin typeface="Arial" panose="020B0604020202020204" pitchFamily="34" charset="0"/>
+              </a:rPr>
+              <a:t>. "A </a:t>
+            </a:r>
+            <a:r>
+              <a:rPr lang="de-AT" b="0" i="0" dirty="0" err="1">
+                <a:solidFill>
+                  <a:srgbClr val="222222"/>
+                </a:solidFill>
+                <a:effectLst/>
+                <a:latin typeface="Arial" panose="020B0604020202020204" pitchFamily="34" charset="0"/>
+              </a:rPr>
+              <a:t>genetic</a:t>
+            </a:r>
+            <a:r>
+              <a:rPr lang="de-AT" b="0" i="0" dirty="0">
+                <a:solidFill>
+                  <a:srgbClr val="222222"/>
+                </a:solidFill>
+                <a:effectLst/>
+                <a:latin typeface="Arial" panose="020B0604020202020204" pitchFamily="34" charset="0"/>
+              </a:rPr>
+              <a:t> </a:t>
+            </a:r>
+            <a:r>
+              <a:rPr lang="de-AT" b="0" i="0" dirty="0" err="1">
+                <a:solidFill>
+                  <a:srgbClr val="222222"/>
+                </a:solidFill>
+                <a:effectLst/>
+                <a:latin typeface="Arial" panose="020B0604020202020204" pitchFamily="34" charset="0"/>
+              </a:rPr>
+              <a:t>algorithm</a:t>
+            </a:r>
+            <a:r>
+              <a:rPr lang="de-AT" b="0" i="0" dirty="0">
+                <a:solidFill>
+                  <a:srgbClr val="222222"/>
+                </a:solidFill>
+                <a:effectLst/>
+                <a:latin typeface="Arial" panose="020B0604020202020204" pitchFamily="34" charset="0"/>
+              </a:rPr>
+              <a:t> </a:t>
+            </a:r>
+            <a:r>
+              <a:rPr lang="de-AT" b="0" i="0" dirty="0" err="1">
+                <a:solidFill>
+                  <a:srgbClr val="222222"/>
+                </a:solidFill>
+                <a:effectLst/>
+                <a:latin typeface="Arial" panose="020B0604020202020204" pitchFamily="34" charset="0"/>
+              </a:rPr>
+              <a:t>inspired</a:t>
+            </a:r>
+            <a:r>
+              <a:rPr lang="de-AT" b="0" i="0" dirty="0">
+                <a:solidFill>
+                  <a:srgbClr val="222222"/>
+                </a:solidFill>
+                <a:effectLst/>
+                <a:latin typeface="Arial" panose="020B0604020202020204" pitchFamily="34" charset="0"/>
+              </a:rPr>
+              <a:t> </a:t>
+            </a:r>
+            <a:r>
+              <a:rPr lang="de-AT" b="0" i="0" dirty="0" err="1">
+                <a:solidFill>
+                  <a:srgbClr val="222222"/>
+                </a:solidFill>
+                <a:effectLst/>
+                <a:latin typeface="Arial" panose="020B0604020202020204" pitchFamily="34" charset="0"/>
+              </a:rPr>
+              <a:t>task</a:t>
+            </a:r>
+            <a:r>
+              <a:rPr lang="de-AT" b="0" i="0" dirty="0">
+                <a:solidFill>
+                  <a:srgbClr val="222222"/>
+                </a:solidFill>
+                <a:effectLst/>
+                <a:latin typeface="Arial" panose="020B0604020202020204" pitchFamily="34" charset="0"/>
+              </a:rPr>
+              <a:t> </a:t>
+            </a:r>
+            <a:r>
+              <a:rPr lang="de-AT" b="0" i="0" dirty="0" err="1">
+                <a:solidFill>
+                  <a:srgbClr val="222222"/>
+                </a:solidFill>
+                <a:effectLst/>
+                <a:latin typeface="Arial" panose="020B0604020202020204" pitchFamily="34" charset="0"/>
+              </a:rPr>
+              <a:t>scheduling</a:t>
+            </a:r>
+            <a:r>
+              <a:rPr lang="de-AT" b="0" i="0" dirty="0">
+                <a:solidFill>
+                  <a:srgbClr val="222222"/>
+                </a:solidFill>
+                <a:effectLst/>
+                <a:latin typeface="Arial" panose="020B0604020202020204" pitchFamily="34" charset="0"/>
+              </a:rPr>
+              <a:t> in </a:t>
+            </a:r>
+            <a:r>
+              <a:rPr lang="de-AT" b="0" i="0" dirty="0" err="1">
+                <a:solidFill>
+                  <a:srgbClr val="222222"/>
+                </a:solidFill>
+                <a:effectLst/>
+                <a:latin typeface="Arial" panose="020B0604020202020204" pitchFamily="34" charset="0"/>
+              </a:rPr>
+              <a:t>cloud</a:t>
+            </a:r>
+            <a:r>
+              <a:rPr lang="de-AT" b="0" i="0" dirty="0">
+                <a:solidFill>
+                  <a:srgbClr val="222222"/>
+                </a:solidFill>
+                <a:effectLst/>
+                <a:latin typeface="Arial" panose="020B0604020202020204" pitchFamily="34" charset="0"/>
+              </a:rPr>
+              <a:t> </a:t>
+            </a:r>
+            <a:r>
+              <a:rPr lang="de-AT" b="0" i="0" dirty="0" err="1">
+                <a:solidFill>
+                  <a:srgbClr val="222222"/>
+                </a:solidFill>
+                <a:effectLst/>
+                <a:latin typeface="Arial" panose="020B0604020202020204" pitchFamily="34" charset="0"/>
+              </a:rPr>
+              <a:t>computing</a:t>
+            </a:r>
+            <a:r>
+              <a:rPr lang="de-AT" b="0" i="0" dirty="0">
+                <a:solidFill>
+                  <a:srgbClr val="222222"/>
+                </a:solidFill>
+                <a:effectLst/>
+                <a:latin typeface="Arial" panose="020B0604020202020204" pitchFamily="34" charset="0"/>
+              </a:rPr>
+              <a:t>." </a:t>
+            </a:r>
+            <a:r>
+              <a:rPr lang="de-AT" b="0" i="1" dirty="0">
+                <a:solidFill>
+                  <a:srgbClr val="222222"/>
+                </a:solidFill>
+                <a:effectLst/>
+                <a:latin typeface="Arial" panose="020B0604020202020204" pitchFamily="34" charset="0"/>
+              </a:rPr>
+              <a:t>2016 International Conference on Computing, Communication and Automation (ICCCA)</a:t>
+            </a:r>
+            <a:r>
+              <a:rPr lang="de-AT" b="0" i="0" dirty="0">
+                <a:solidFill>
+                  <a:srgbClr val="222222"/>
+                </a:solidFill>
+                <a:effectLst/>
+                <a:latin typeface="Arial" panose="020B0604020202020204" pitchFamily="34" charset="0"/>
+              </a:rPr>
+              <a:t>. IEEE, 2016.</a:t>
+            </a:r>
+            <a:endParaRPr lang="en-US" b="0" i="0" dirty="0">
+              <a:solidFill>
+                <a:srgbClr val="222222"/>
+              </a:solidFill>
+              <a:effectLst/>
+              <a:latin typeface="Arial" panose="020B0604020202020204" pitchFamily="34" charset="0"/>
+            </a:endParaRPr>
+          </a:p>
+          <a:p>
+            <a:r>
+              <a:rPr lang="de-AT" dirty="0">
+                <a:hlinkClick r:id="rId2"/>
+              </a:rPr>
+              <a:t>https://github.com/KonstantinLukaschenko/genetic-algorithm-kotlin</a:t>
+            </a:r>
+            <a:endParaRPr lang="en-US" dirty="0">
+              <a:solidFill>
+                <a:srgbClr val="222222"/>
+              </a:solidFill>
+              <a:latin typeface="Arial" panose="020B0604020202020204" pitchFamily="34" charset="0"/>
+            </a:endParaRPr>
+          </a:p>
+        </p:txBody>
+      </p:sp>
+    </p:spTree>
+    <p:extLst>
+      <p:ext uri="{BB962C8B-B14F-4D97-AF65-F5344CB8AC3E}">
+        <p14:creationId xmlns:p14="http://schemas.microsoft.com/office/powerpoint/2010/main" val="1727472176"/>
+      </p:ext>
+    </p:extLst>
+  </p:cSld>
+  <p:clrMapOvr>
+    <a:masterClrMapping/>
+  </p:clrMapOvr>
+</p:sld>
+</file>
+
 <file path=ppt/slides/slide2.xml><?xml version="1.0" encoding="utf-8"?>
 <p:sld xmlns:a="http://schemas.openxmlformats.org/drawingml/2006/main" xmlns:r="http://schemas.openxmlformats.org/officeDocument/2006/relationships" xmlns:p="http://schemas.openxmlformats.org/presentationml/2006/main">
   <p:cSld>
@@ -5897,8 +6531,20 @@
           <a:lstStyle/>
           <a:p>
             <a:r>
-              <a:rPr lang="de-AT" dirty="0" err="1"/>
-              <a:t>Implementations</a:t>
+              <a:rPr lang="de-AT" dirty="0"/>
+              <a:t>Implementation </a:t>
+            </a:r>
+            <a:r>
+              <a:rPr lang="de-AT" dirty="0" err="1"/>
+              <a:t>of</a:t>
+            </a:r>
+            <a:r>
+              <a:rPr lang="de-AT" dirty="0"/>
+              <a:t> </a:t>
+            </a:r>
+            <a:r>
+              <a:rPr lang="de-AT" dirty="0" err="1"/>
+              <a:t>fitness</a:t>
             </a:r>
             <a:endParaRPr lang="de-AT" dirty="0"/>
           </a:p>
@@ -5925,38 +6571,112 @@
           <a:bodyPr/>
           <a:lstStyle/>
           <a:p>
-            <a:pPr marL="0" indent="0">
-              <a:buNone/>
+            <a:pPr>
+              <a:buFont typeface="Arial" panose="020B0604020202020204" pitchFamily="34" charset="0"/>
+              <a:buChar char="•"/>
             </a:pPr>
             <a:r>
               <a:rPr lang="de-AT" dirty="0"/>
-              <a:t> Regular </a:t>
-            </a:r>
-            <a:r>
-              <a:rPr lang="de-AT" dirty="0" err="1"/>
-              <a:t>two</a:t>
-            </a:r>
-            <a:r>
-              <a:rPr lang="de-AT" dirty="0"/>
-              <a:t> </a:t>
-            </a:r>
-            <a:r>
-              <a:rPr lang="de-AT" dirty="0" err="1"/>
-              <a:t>point</a:t>
-            </a:r>
-            <a:r>
-              <a:rPr lang="de-AT" dirty="0"/>
-              <a:t> </a:t>
-            </a:r>
-            <a:r>
-              <a:rPr lang="de-AT" dirty="0" err="1"/>
-              <a:t>crossover</a:t>
+              <a:t> </a:t>
+            </a:r>
+            <a:r>
+              <a:rPr lang="de-AT" dirty="0" err="1"/>
+              <a:t>Evaluate</a:t>
+            </a:r>
+            <a:r>
+              <a:rPr lang="de-AT" dirty="0"/>
+              <a:t> </a:t>
+            </a:r>
+            <a:r>
+              <a:rPr lang="de-AT" dirty="0" err="1"/>
+              <a:t>genome</a:t>
+            </a:r>
+            <a:r>
+              <a:rPr lang="de-AT" dirty="0"/>
+              <a:t> </a:t>
+            </a:r>
+            <a:r>
+              <a:rPr lang="de-AT" dirty="0" err="1"/>
+              <a:t>by</a:t>
+            </a:r>
+            <a:r>
+              <a:rPr lang="de-AT" dirty="0"/>
+              <a:t> </a:t>
+            </a:r>
+            <a:r>
+              <a:rPr lang="de-AT" dirty="0" err="1"/>
+              <a:t>turning</a:t>
+            </a:r>
+            <a:r>
+              <a:rPr lang="de-AT" dirty="0"/>
+              <a:t> </a:t>
+            </a:r>
+            <a:r>
+              <a:rPr lang="de-AT" dirty="0" err="1"/>
+              <a:t>it</a:t>
+            </a:r>
+            <a:r>
+              <a:rPr lang="de-AT" dirty="0"/>
+              <a:t> </a:t>
+            </a:r>
+            <a:r>
+              <a:rPr lang="de-AT" dirty="0" err="1"/>
+              <a:t>into</a:t>
+            </a:r>
+            <a:r>
+              <a:rPr lang="de-AT" dirty="0"/>
+              <a:t> </a:t>
+            </a:r>
+            <a:r>
+              <a:rPr lang="de-AT" dirty="0" err="1"/>
+              <a:t>map</a:t>
+            </a:r>
+            <a:r>
+              <a:rPr lang="de-AT" dirty="0"/>
+              <a:t> </a:t>
+            </a:r>
+            <a:r>
+              <a:rPr lang="de-AT" dirty="0" err="1"/>
+              <a:t>of</a:t>
+            </a:r>
+            <a:r>
+              <a:rPr lang="de-AT" dirty="0"/>
+              <a:t> </a:t>
+            </a:r>
+            <a:r>
+              <a:rPr lang="de-AT" dirty="0" err="1"/>
+              <a:t>nodes</a:t>
+            </a:r>
+            <a:r>
+              <a:rPr lang="de-AT" dirty="0"/>
+              <a:t> and </a:t>
+            </a:r>
+            <a:r>
+              <a:rPr lang="de-AT" dirty="0" err="1"/>
+              <a:t>collection</a:t>
+            </a:r>
+            <a:r>
+              <a:rPr lang="de-AT" dirty="0"/>
+              <a:t> </a:t>
+            </a:r>
+            <a:r>
+              <a:rPr lang="de-AT" dirty="0" err="1"/>
+              <a:t>of</a:t>
+            </a:r>
+            <a:r>
+              <a:rPr lang="de-AT" dirty="0"/>
+              <a:t> </a:t>
+            </a:r>
+            <a:r>
+              <a:rPr lang="de-AT" dirty="0" err="1"/>
+              <a:t>loads</a:t>
             </a:r>
             <a:endParaRPr lang="de-AT" dirty="0"/>
           </a:p>
           <a:p>
-            <a:pPr marL="0" indent="0">
-              <a:buNone/>
+            <a:pPr>
+              <a:buFont typeface="Arial" panose="020B0604020202020204" pitchFamily="34" charset="0"/>
+              <a:buChar char="•"/>
             </a:pPr>
             <a:r>
               <a:rPr lang="de-AT" dirty="0"/>
@@ -5964,21 +6684,204 @@
             </a:r>
             <a:r>
               <a:rPr lang="de-AT" dirty="0" err="1"/>
-              <a:t>random</a:t>
-            </a:r>
-            <a:r>
-              <a:rPr lang="de-AT" dirty="0"/>
-              <a:t> </a:t>
-            </a:r>
-            <a:r>
-              <a:rPr lang="de-AT" dirty="0" err="1"/>
-              <a:t>bitflips</a:t>
+              <a:t>calculate</a:t>
+            </a:r>
+            <a:r>
+              <a:rPr lang="de-AT" dirty="0"/>
+              <a:t> </a:t>
+            </a:r>
+            <a:r>
+              <a:rPr lang="de-AT" dirty="0" err="1"/>
+              <a:t>expected</a:t>
+            </a:r>
+            <a:r>
+              <a:rPr lang="de-AT" dirty="0"/>
+              <a:t> </a:t>
+            </a:r>
+            <a:r>
+              <a:rPr lang="de-AT" dirty="0" err="1"/>
+              <a:t>utilization</a:t>
+            </a:r>
+            <a:r>
+              <a:rPr lang="de-AT" dirty="0"/>
+              <a:t> per </a:t>
+            </a:r>
+            <a:r>
+              <a:rPr lang="de-AT" dirty="0" err="1"/>
+              <a:t>node</a:t>
+            </a:r>
+            <a:r>
+              <a:rPr lang="de-AT" dirty="0"/>
+              <a:t> (</a:t>
+            </a:r>
+            <a:r>
+              <a:rPr lang="de-AT" dirty="0" err="1"/>
+              <a:t>considering</a:t>
+            </a:r>
+            <a:r>
+              <a:rPr lang="de-AT" dirty="0"/>
+              <a:t> </a:t>
+            </a:r>
+            <a:r>
+              <a:rPr lang="de-AT" dirty="0" err="1"/>
+              <a:t>both</a:t>
+            </a:r>
+            <a:r>
+              <a:rPr lang="de-AT" dirty="0"/>
+              <a:t> </a:t>
+            </a:r>
+            <a:r>
+              <a:rPr lang="de-AT" dirty="0" err="1"/>
+              <a:t>levels</a:t>
+            </a:r>
+            <a:r>
+              <a:rPr lang="de-AT" dirty="0"/>
+              <a:t> </a:t>
+            </a:r>
+            <a:r>
+              <a:rPr lang="de-AT" dirty="0" err="1"/>
+              <a:t>of</a:t>
+            </a:r>
+            <a:r>
+              <a:rPr lang="de-AT" dirty="0"/>
+              <a:t> </a:t>
+            </a:r>
+            <a:r>
+              <a:rPr lang="de-AT" dirty="0" err="1"/>
+              <a:t>loads</a:t>
+            </a:r>
+            <a:r>
+              <a:rPr lang="de-AT" dirty="0"/>
+              <a:t>, </a:t>
+            </a:r>
+            <a:r>
+              <a:rPr lang="de-AT" dirty="0" err="1"/>
+              <a:t>secondaries</a:t>
+            </a:r>
+            <a:r>
+              <a:rPr lang="de-AT" dirty="0"/>
+              <a:t> </a:t>
+            </a:r>
+            <a:r>
+              <a:rPr lang="de-AT" dirty="0" err="1"/>
+              <a:t>can</a:t>
+            </a:r>
+            <a:r>
+              <a:rPr lang="de-AT" dirty="0"/>
+              <a:t> </a:t>
+            </a:r>
+            <a:r>
+              <a:rPr lang="de-AT" dirty="0" err="1"/>
+              <a:t>exceed</a:t>
+            </a:r>
+            <a:r>
+              <a:rPr lang="de-AT" dirty="0"/>
+              <a:t> </a:t>
+            </a:r>
+            <a:r>
+              <a:rPr lang="de-AT" dirty="0" err="1"/>
+              <a:t>the</a:t>
+            </a:r>
+            <a:r>
+              <a:rPr lang="de-AT" dirty="0"/>
+              <a:t> </a:t>
+            </a:r>
+            <a:r>
+              <a:rPr lang="de-AT" dirty="0" err="1"/>
+              <a:t>available</a:t>
+            </a:r>
+            <a:r>
+              <a:rPr lang="de-AT" dirty="0"/>
+              <a:t> </a:t>
+            </a:r>
+            <a:r>
+              <a:rPr lang="de-AT" dirty="0" err="1"/>
+              <a:t>resources</a:t>
+            </a:r>
+            <a:r>
+              <a:rPr lang="de-AT" dirty="0"/>
+              <a:t> </a:t>
+            </a:r>
+            <a:r>
+              <a:rPr lang="de-AT" dirty="0" err="1"/>
+              <a:t>for</a:t>
+            </a:r>
+            <a:r>
+              <a:rPr lang="de-AT" dirty="0"/>
+              <a:t> maximum </a:t>
+            </a:r>
+            <a:r>
+              <a:rPr lang="de-AT" dirty="0" err="1"/>
+              <a:t>required</a:t>
+            </a:r>
+            <a:r>
+              <a:rPr lang="de-AT" dirty="0"/>
+              <a:t> </a:t>
+            </a:r>
+            <a:r>
+              <a:rPr lang="de-AT" dirty="0" err="1"/>
+              <a:t>resources</a:t>
+            </a:r>
+            <a:r>
+              <a:rPr lang="de-AT" dirty="0"/>
+              <a:t>)</a:t>
+            </a:r>
+          </a:p>
+          <a:p>
+            <a:pPr lvl="1">
+              <a:buFont typeface="Arial" panose="020B0604020202020204" pitchFamily="34" charset="0"/>
+              <a:buChar char="•"/>
+            </a:pPr>
+            <a:r>
+              <a:rPr lang="de-AT" dirty="0" err="1"/>
+              <a:t>From</a:t>
+            </a:r>
+            <a:r>
+              <a:rPr lang="de-AT" dirty="0"/>
+              <a:t> </a:t>
+            </a:r>
+            <a:r>
+              <a:rPr lang="de-AT" dirty="0" err="1"/>
+              <a:t>given</a:t>
+            </a:r>
+            <a:r>
+              <a:rPr lang="de-AT" dirty="0"/>
+              <a:t> </a:t>
+            </a:r>
+            <a:r>
+              <a:rPr lang="de-AT" dirty="0" err="1"/>
+              <a:t>information</a:t>
+            </a:r>
+            <a:r>
+              <a:rPr lang="de-AT" dirty="0"/>
+              <a:t> </a:t>
+            </a:r>
+            <a:r>
+              <a:rPr lang="de-AT" dirty="0" err="1"/>
+              <a:t>about</a:t>
+            </a:r>
+            <a:r>
+              <a:rPr lang="de-AT" dirty="0"/>
+              <a:t> </a:t>
+            </a:r>
+            <a:r>
+              <a:rPr lang="de-AT" dirty="0" err="1"/>
+              <a:t>the</a:t>
+            </a:r>
+            <a:r>
+              <a:rPr lang="de-AT" dirty="0"/>
+              <a:t> </a:t>
+            </a:r>
+            <a:r>
+              <a:rPr lang="de-AT" dirty="0" err="1"/>
+              <a:t>workloads</a:t>
             </a:r>
             <a:endParaRPr lang="de-AT" dirty="0"/>
           </a:p>
           <a:p>
-            <a:pPr marL="0" indent="0">
-              <a:buNone/>
+            <a:pPr>
+              <a:buFont typeface="Arial" panose="020B0604020202020204" pitchFamily="34" charset="0"/>
+              <a:buChar char="•"/>
             </a:pPr>
             <a:r>
               <a:rPr lang="de-AT" dirty="0"/>
@@ -5986,95 +6889,87 @@
             </a:r>
             <a:r>
               <a:rPr lang="de-AT" dirty="0" err="1"/>
-              <a:t>switching</a:t>
-            </a:r>
-            <a:r>
-              <a:rPr lang="de-AT" dirty="0"/>
-              <a:t> </a:t>
-            </a:r>
-            <a:r>
-              <a:rPr lang="de-AT" dirty="0" err="1"/>
-              <a:t>part</a:t>
-            </a:r>
-            <a:r>
-              <a:rPr lang="de-AT" dirty="0"/>
-              <a:t> </a:t>
-            </a:r>
-            <a:r>
-              <a:rPr lang="de-AT" dirty="0" err="1"/>
-              <a:t>of</a:t>
-            </a:r>
-            <a:r>
-              <a:rPr lang="de-AT" dirty="0"/>
-              <a:t> </a:t>
-            </a:r>
-            <a:r>
-              <a:rPr lang="de-AT" dirty="0" err="1"/>
-              <a:t>genomes</a:t>
-            </a:r>
-            <a:r>
-              <a:rPr lang="de-AT" dirty="0"/>
-              <a:t> </a:t>
-            </a:r>
-            <a:r>
-              <a:rPr lang="de-AT" dirty="0" err="1"/>
-              <a:t>with</a:t>
-            </a:r>
-            <a:r>
-              <a:rPr lang="de-AT" dirty="0"/>
-              <a:t> </a:t>
-            </a:r>
-            <a:r>
-              <a:rPr lang="de-AT" dirty="0" err="1"/>
-              <a:t>encóded</a:t>
-            </a:r>
-            <a:r>
-              <a:rPr lang="de-AT" dirty="0"/>
-              <a:t> </a:t>
-            </a:r>
-            <a:r>
-              <a:rPr lang="de-AT" dirty="0" err="1"/>
-              <a:t>node</a:t>
-            </a:r>
-            <a:r>
-              <a:rPr lang="de-AT" dirty="0"/>
-              <a:t> </a:t>
-            </a:r>
-            <a:r>
-              <a:rPr lang="de-AT" dirty="0" err="1"/>
-              <a:t>id‘s</a:t>
-            </a:r>
-            <a:r>
-              <a:rPr lang="de-AT" dirty="0"/>
-              <a:t> =&gt; </a:t>
-            </a:r>
-            <a:r>
-              <a:rPr lang="de-AT" dirty="0" err="1"/>
-              <a:t>lead</a:t>
-            </a:r>
-            <a:r>
-              <a:rPr lang="de-AT" dirty="0"/>
-              <a:t> </a:t>
-            </a:r>
-            <a:r>
-              <a:rPr lang="de-AT" dirty="0" err="1"/>
-              <a:t>to</a:t>
-            </a:r>
-            <a:r>
-              <a:rPr lang="de-AT" dirty="0"/>
-              <a:t> </a:t>
-            </a:r>
-            <a:r>
-              <a:rPr lang="de-AT" dirty="0" err="1"/>
-              <a:t>good</a:t>
-            </a:r>
-            <a:r>
-              <a:rPr lang="de-AT" dirty="0"/>
-              <a:t> </a:t>
-            </a:r>
-            <a:r>
-              <a:rPr lang="de-AT" dirty="0" err="1"/>
-              <a:t>improvements</a:t>
+              <a:t>stop</a:t>
+            </a:r>
+            <a:r>
+              <a:rPr lang="de-AT" dirty="0"/>
+              <a:t> </a:t>
+            </a:r>
+            <a:r>
+              <a:rPr lang="de-AT" dirty="0" err="1"/>
+              <a:t>algorithm</a:t>
+            </a:r>
+            <a:r>
+              <a:rPr lang="de-AT" dirty="0"/>
+              <a:t> </a:t>
+            </a:r>
+            <a:r>
+              <a:rPr lang="de-AT" dirty="0" err="1"/>
+              <a:t>if</a:t>
+            </a:r>
+            <a:r>
+              <a:rPr lang="de-AT" dirty="0"/>
+              <a:t> </a:t>
+            </a:r>
+            <a:r>
+              <a:rPr lang="de-AT" dirty="0" err="1"/>
+              <a:t>there</a:t>
+            </a:r>
+            <a:r>
+              <a:rPr lang="de-AT" dirty="0"/>
+              <a:t> </a:t>
+            </a:r>
+            <a:r>
+              <a:rPr lang="de-AT" dirty="0" err="1"/>
+              <a:t>has</a:t>
+            </a:r>
+            <a:r>
+              <a:rPr lang="de-AT" dirty="0"/>
+              <a:t> </a:t>
+            </a:r>
+            <a:r>
+              <a:rPr lang="de-AT" dirty="0" err="1"/>
+              <a:t>been</a:t>
+            </a:r>
+            <a:r>
+              <a:rPr lang="de-AT" dirty="0"/>
+              <a:t> minimal </a:t>
+            </a:r>
+            <a:r>
+              <a:rPr lang="de-AT" dirty="0" err="1"/>
+              <a:t>change</a:t>
+            </a:r>
+            <a:r>
+              <a:rPr lang="de-AT" dirty="0"/>
+              <a:t> in </a:t>
+            </a:r>
+            <a:r>
+              <a:rPr lang="de-AT" dirty="0" err="1"/>
+              <a:t>the</a:t>
+            </a:r>
+            <a:r>
+              <a:rPr lang="de-AT" dirty="0"/>
+              <a:t> </a:t>
+            </a:r>
+            <a:r>
+              <a:rPr lang="de-AT" dirty="0" err="1"/>
+              <a:t>best</a:t>
+            </a:r>
+            <a:r>
+              <a:rPr lang="de-AT" dirty="0"/>
+              <a:t> </a:t>
+            </a:r>
+            <a:r>
+              <a:rPr lang="de-AT" dirty="0" err="1"/>
+              <a:t>fitness</a:t>
+            </a:r>
+            <a:r>
+              <a:rPr lang="de-AT" dirty="0"/>
+              <a:t> in 2000 </a:t>
+            </a:r>
+            <a:r>
+              <a:rPr lang="de-AT" dirty="0" err="1"/>
+              <a:t>generations</a:t>
             </a:r>
             <a:endParaRPr lang="de-AT" dirty="0"/>
           </a:p>
@@ -6115,7 +7010,7 @@
           <p:cNvPr id="2" name="Titel 1">
             <a:extLst>
               <a:ext uri="{FF2B5EF4-FFF2-40B4-BE49-F238E27FC236}">
-                <a16:creationId xmlns:a16="http://schemas.microsoft.com/office/drawing/2014/main" id="{9756C3E9-4204-E84B-BE85-47F991DC5BA1}"/>
+                <a16:creationId xmlns:a16="http://schemas.microsoft.com/office/drawing/2014/main" id="{F11D7FC3-2EB9-7953-D685-F52AC35F30C8}"/>
               </a:ext>
             </a:extLst>
           </p:cNvPr>
@@ -6133,227 +7028,278 @@
           <a:p>
             <a:r>
               <a:rPr lang="de-AT" dirty="0"/>
-              <a:t>Fitness</a:t>
-            </a:r>
-          </a:p>
-        </p:txBody>
-      </p:sp>
-      <p:sp>
-        <p:nvSpPr>
-          <p:cNvPr id="3" name="Inhaltsplatzhalter 2">
+              <a:t>Mapping </a:t>
+            </a:r>
+            <a:r>
+              <a:rPr lang="de-AT" dirty="0" err="1"/>
+              <a:t>utilization</a:t>
+            </a:r>
+            <a:r>
+              <a:rPr lang="de-AT" dirty="0"/>
+              <a:t> </a:t>
+            </a:r>
+            <a:r>
+              <a:rPr lang="de-AT" dirty="0" err="1"/>
+              <a:t>to</a:t>
+            </a:r>
+            <a:r>
+              <a:rPr lang="de-AT" dirty="0"/>
+              <a:t> </a:t>
+            </a:r>
+            <a:r>
+              <a:rPr lang="de-AT" dirty="0" err="1"/>
+              <a:t>fitness</a:t>
+            </a:r>
+            <a:endParaRPr lang="de-AT" dirty="0"/>
+          </a:p>
+        </p:txBody>
+      </p:sp>
+      <p:pic>
+        <p:nvPicPr>
+          <p:cNvPr id="5" name="Inhaltsplatzhalter 4">
             <a:extLst>
               <a:ext uri="{FF2B5EF4-FFF2-40B4-BE49-F238E27FC236}">
-                <a16:creationId xmlns:a16="http://schemas.microsoft.com/office/drawing/2014/main" id="{459B4675-05BF-49BA-EE75-CBA01CD1D79D}"/>
+                <a16:creationId xmlns:a16="http://schemas.microsoft.com/office/drawing/2014/main" id="{E6FC9C48-3ECB-9B31-74B0-22B0A6DC1938}"/>
               </a:ext>
             </a:extLst>
           </p:cNvPr>
-          <p:cNvSpPr>
-            <a:spLocks noGrp="1"/>
-          </p:cNvSpPr>
+          <p:cNvPicPr>
+            <a:picLocks noGrp="1" noChangeAspect="1"/>
+          </p:cNvPicPr>
           <p:nvPr>
             <p:ph idx="1"/>
           </p:nvPr>
-        </p:nvSpPr>
-        <p:spPr/>
-        <p:txBody>
-          <a:bodyPr/>
-          <a:lstStyle/>
-          <a:p>
-            <a:r>
-              <a:rPr lang="de-AT" dirty="0" err="1"/>
-              <a:t>Simulate</a:t>
-            </a:r>
-            <a:r>
-              <a:rPr lang="de-AT" dirty="0"/>
-              <a:t> </a:t>
-            </a:r>
-            <a:r>
-              <a:rPr lang="de-AT" dirty="0" err="1"/>
-              <a:t>processing</a:t>
-            </a:r>
-            <a:r>
-              <a:rPr lang="de-AT" dirty="0"/>
-              <a:t> </a:t>
-            </a:r>
-            <a:r>
-              <a:rPr lang="de-AT" dirty="0" err="1"/>
-              <a:t>the</a:t>
-            </a:r>
-            <a:r>
-              <a:rPr lang="de-AT" dirty="0"/>
-              <a:t> </a:t>
-            </a:r>
-            <a:r>
-              <a:rPr lang="de-AT" dirty="0" err="1"/>
-              <a:t>schedule</a:t>
+        </p:nvPicPr>
+        <p:blipFill>
+          <a:blip r:embed="rId2"/>
+          <a:stretch>
+            <a:fillRect/>
+          </a:stretch>
+        </p:blipFill>
+        <p:spPr>
+          <a:xfrm>
+            <a:off x="2456229" y="1846263"/>
+            <a:ext cx="7339868" cy="4022725"/>
+          </a:xfrm>
+        </p:spPr>
+      </p:pic>
+      <p:sp>
+        <p:nvSpPr>
+          <p:cNvPr id="6" name="Textfeld 5">
+            <a:extLst>
+              <a:ext uri="{FF2B5EF4-FFF2-40B4-BE49-F238E27FC236}">
+                <a16:creationId xmlns:a16="http://schemas.microsoft.com/office/drawing/2014/main" id="{B61461FC-DEEA-E167-B290-C68D551F6893}"/>
+              </a:ext>
+            </a:extLst>
+          </p:cNvPr>
+          <p:cNvSpPr txBox="1"/>
+          <p:nvPr/>
+        </p:nvSpPr>
+        <p:spPr>
+          <a:xfrm rot="16200000">
+            <a:off x="1280832" y="3605331"/>
+            <a:ext cx="1819469" cy="369332"/>
+          </a:xfrm>
+          <a:prstGeom prst="rect">
+            <a:avLst/>
+          </a:prstGeom>
+          <a:noFill/>
+        </p:spPr>
+        <p:txBody>
+          <a:bodyPr wrap="square" rtlCol="0">
+            <a:spAutoFit/>
+          </a:bodyPr>
+          <a:lstStyle/>
+          <a:p>
+            <a:pPr algn="ctr"/>
+            <a:r>
+              <a:rPr lang="de-AT" dirty="0"/>
+              <a:t>Fitness</a:t>
+            </a:r>
+          </a:p>
+        </p:txBody>
+      </p:sp>
+      <p:sp>
+        <p:nvSpPr>
+          <p:cNvPr id="7" name="Textfeld 6">
+            <a:extLst>
+              <a:ext uri="{FF2B5EF4-FFF2-40B4-BE49-F238E27FC236}">
+                <a16:creationId xmlns:a16="http://schemas.microsoft.com/office/drawing/2014/main" id="{434AF907-D122-05ED-B985-7A886CD10F6D}"/>
+              </a:ext>
+            </a:extLst>
+          </p:cNvPr>
+          <p:cNvSpPr txBox="1"/>
+          <p:nvPr/>
+        </p:nvSpPr>
+        <p:spPr>
+          <a:xfrm>
+            <a:off x="3899003" y="5981110"/>
+            <a:ext cx="1819469" cy="369332"/>
+          </a:xfrm>
+          <a:prstGeom prst="rect">
+            <a:avLst/>
+          </a:prstGeom>
+          <a:noFill/>
+        </p:spPr>
+        <p:txBody>
+          <a:bodyPr wrap="square" rtlCol="0">
+            <a:spAutoFit/>
+          </a:bodyPr>
+          <a:lstStyle/>
+          <a:p>
+            <a:pPr algn="ctr"/>
+            <a:r>
+              <a:rPr lang="de-AT" dirty="0" err="1"/>
+              <a:t>Utilization</a:t>
             </a:r>
             <a:endParaRPr lang="de-AT" dirty="0"/>
           </a:p>
-          <a:p>
-            <a:r>
-              <a:rPr lang="de-AT" dirty="0" err="1"/>
-              <a:t>Punish</a:t>
-            </a:r>
-            <a:r>
-              <a:rPr lang="de-AT" dirty="0"/>
-              <a:t> </a:t>
-            </a:r>
-            <a:r>
-              <a:rPr lang="de-AT" dirty="0" err="1"/>
-              <a:t>overutilization</a:t>
-            </a:r>
-            <a:endParaRPr lang="de-AT" dirty="0"/>
-          </a:p>
-          <a:p>
-            <a:r>
-              <a:rPr lang="de-AT" dirty="0" err="1"/>
-              <a:t>Reward</a:t>
-            </a:r>
-            <a:r>
-              <a:rPr lang="de-AT" dirty="0"/>
-              <a:t> </a:t>
-            </a:r>
-            <a:r>
-              <a:rPr lang="de-AT" dirty="0" err="1"/>
-              <a:t>near</a:t>
-            </a:r>
-            <a:r>
-              <a:rPr lang="de-AT" dirty="0"/>
-              <a:t>-zero </a:t>
-            </a:r>
-            <a:r>
-              <a:rPr lang="de-AT" dirty="0" err="1"/>
-              <a:t>utilization</a:t>
-            </a:r>
-            <a:r>
-              <a:rPr lang="de-AT" dirty="0"/>
-              <a:t> </a:t>
-            </a:r>
-            <a:r>
-              <a:rPr lang="de-AT" dirty="0" err="1"/>
-              <a:t>of</a:t>
-            </a:r>
-            <a:r>
-              <a:rPr lang="de-AT" dirty="0"/>
-              <a:t> a </a:t>
-            </a:r>
-            <a:r>
-              <a:rPr lang="de-AT" dirty="0" err="1"/>
-              <a:t>node</a:t>
-            </a:r>
-            <a:r>
-              <a:rPr lang="de-AT" dirty="0"/>
-              <a:t> =&gt; </a:t>
-            </a:r>
-            <a:r>
-              <a:rPr lang="de-AT" dirty="0" err="1"/>
-              <a:t>node</a:t>
-            </a:r>
-            <a:r>
-              <a:rPr lang="de-AT" dirty="0"/>
-              <a:t> </a:t>
-            </a:r>
-            <a:r>
-              <a:rPr lang="de-AT" dirty="0" err="1"/>
-              <a:t>isn‘t</a:t>
-            </a:r>
-            <a:r>
-              <a:rPr lang="de-AT" dirty="0"/>
-              <a:t> </a:t>
-            </a:r>
-            <a:r>
-              <a:rPr lang="de-AT" dirty="0" err="1"/>
-              <a:t>needed</a:t>
-            </a:r>
-            <a:r>
-              <a:rPr lang="de-AT" dirty="0"/>
-              <a:t> (</a:t>
-            </a:r>
-            <a:r>
-              <a:rPr lang="de-AT" dirty="0" err="1"/>
-              <a:t>cost</a:t>
-            </a:r>
-            <a:r>
-              <a:rPr lang="de-AT" dirty="0"/>
-              <a:t> </a:t>
-            </a:r>
-            <a:r>
-              <a:rPr lang="de-AT" dirty="0" err="1"/>
-              <a:t>reduction</a:t>
-            </a:r>
-            <a:r>
-              <a:rPr lang="de-AT" dirty="0"/>
-              <a:t>)</a:t>
-            </a:r>
-          </a:p>
-          <a:p>
-            <a:r>
-              <a:rPr lang="de-AT" dirty="0"/>
-              <a:t>Fast </a:t>
-            </a:r>
-            <a:r>
-              <a:rPr lang="de-AT" dirty="0" err="1"/>
-              <a:t>response</a:t>
-            </a:r>
-            <a:r>
-              <a:rPr lang="de-AT" dirty="0"/>
-              <a:t> time =&gt; </a:t>
-            </a:r>
-            <a:r>
-              <a:rPr lang="de-AT" dirty="0" err="1"/>
-              <a:t>unsure</a:t>
-            </a:r>
-            <a:r>
-              <a:rPr lang="de-AT" dirty="0"/>
-              <a:t> </a:t>
-            </a:r>
-            <a:r>
-              <a:rPr lang="de-AT" dirty="0" err="1"/>
-              <a:t>how</a:t>
-            </a:r>
-            <a:r>
-              <a:rPr lang="de-AT" dirty="0"/>
-              <a:t> </a:t>
-            </a:r>
-            <a:r>
-              <a:rPr lang="de-AT" dirty="0" err="1"/>
-              <a:t>to</a:t>
-            </a:r>
-            <a:r>
-              <a:rPr lang="de-AT" dirty="0"/>
-              <a:t> </a:t>
-            </a:r>
-            <a:r>
-              <a:rPr lang="de-AT" dirty="0" err="1"/>
-              <a:t>implement</a:t>
-            </a:r>
-            <a:r>
-              <a:rPr lang="de-AT" dirty="0"/>
-              <a:t> </a:t>
-            </a:r>
-            <a:r>
-              <a:rPr lang="de-AT" dirty="0" err="1"/>
-              <a:t>for</a:t>
-            </a:r>
-            <a:r>
-              <a:rPr lang="de-AT" dirty="0"/>
-              <a:t> </a:t>
-            </a:r>
-            <a:r>
-              <a:rPr lang="de-AT" dirty="0" err="1"/>
-              <a:t>now</a:t>
-            </a:r>
-            <a:endParaRPr lang="de-AT" dirty="0"/>
-          </a:p>
-          <a:p>
-            <a:endParaRPr lang="de-AT" dirty="0"/>
+        </p:txBody>
+      </p:sp>
+      <p:sp>
+        <p:nvSpPr>
+          <p:cNvPr id="8" name="Textfeld 7">
+            <a:extLst>
+              <a:ext uri="{FF2B5EF4-FFF2-40B4-BE49-F238E27FC236}">
+                <a16:creationId xmlns:a16="http://schemas.microsoft.com/office/drawing/2014/main" id="{3477BCFB-0BAB-C33E-88D1-C6DE4DD04FC8}"/>
+              </a:ext>
+            </a:extLst>
+          </p:cNvPr>
+          <p:cNvSpPr txBox="1"/>
+          <p:nvPr/>
+        </p:nvSpPr>
+        <p:spPr>
+          <a:xfrm>
+            <a:off x="2190566" y="1846263"/>
+            <a:ext cx="184667" cy="369332"/>
+          </a:xfrm>
+          <a:prstGeom prst="rect">
+            <a:avLst/>
+          </a:prstGeom>
+          <a:noFill/>
+        </p:spPr>
+        <p:txBody>
+          <a:bodyPr wrap="square" rtlCol="0">
+            <a:spAutoFit/>
+          </a:bodyPr>
+          <a:lstStyle/>
+          <a:p>
+            <a:r>
+              <a:rPr lang="de-AT" dirty="0"/>
+              <a:t>1</a:t>
+            </a:r>
+          </a:p>
+        </p:txBody>
+      </p:sp>
+      <p:sp>
+        <p:nvSpPr>
+          <p:cNvPr id="9" name="Textfeld 8">
+            <a:extLst>
+              <a:ext uri="{FF2B5EF4-FFF2-40B4-BE49-F238E27FC236}">
+                <a16:creationId xmlns:a16="http://schemas.microsoft.com/office/drawing/2014/main" id="{B8E446EB-40F2-CDE5-FDC6-31E8F97B086C}"/>
+              </a:ext>
+            </a:extLst>
+          </p:cNvPr>
+          <p:cNvSpPr txBox="1"/>
+          <p:nvPr/>
+        </p:nvSpPr>
+        <p:spPr>
+          <a:xfrm>
+            <a:off x="2190566" y="5585145"/>
+            <a:ext cx="205337" cy="369332"/>
+          </a:xfrm>
+          <a:prstGeom prst="rect">
+            <a:avLst/>
+          </a:prstGeom>
+          <a:noFill/>
+        </p:spPr>
+        <p:txBody>
+          <a:bodyPr wrap="square" rtlCol="0">
+            <a:spAutoFit/>
+          </a:bodyPr>
+          <a:lstStyle/>
+          <a:p>
+            <a:r>
+              <a:rPr lang="de-AT" dirty="0"/>
+              <a:t>0</a:t>
+            </a:r>
+          </a:p>
+        </p:txBody>
+      </p:sp>
+      <p:sp>
+        <p:nvSpPr>
+          <p:cNvPr id="10" name="Textfeld 9">
+            <a:extLst>
+              <a:ext uri="{FF2B5EF4-FFF2-40B4-BE49-F238E27FC236}">
+                <a16:creationId xmlns:a16="http://schemas.microsoft.com/office/drawing/2014/main" id="{9B3DC37C-487A-1264-C478-5EF6F824669F}"/>
+              </a:ext>
+            </a:extLst>
+          </p:cNvPr>
+          <p:cNvSpPr txBox="1"/>
+          <p:nvPr/>
+        </p:nvSpPr>
+        <p:spPr>
+          <a:xfrm>
+            <a:off x="2456229" y="5868988"/>
+            <a:ext cx="562179" cy="369332"/>
+          </a:xfrm>
+          <a:prstGeom prst="rect">
+            <a:avLst/>
+          </a:prstGeom>
+          <a:noFill/>
+        </p:spPr>
+        <p:txBody>
+          <a:bodyPr wrap="square" rtlCol="0">
+            <a:spAutoFit/>
+          </a:bodyPr>
+          <a:lstStyle/>
+          <a:p>
+            <a:r>
+              <a:rPr lang="de-AT" dirty="0"/>
+              <a:t>0</a:t>
+            </a:r>
+          </a:p>
+        </p:txBody>
+      </p:sp>
+      <p:sp>
+        <p:nvSpPr>
+          <p:cNvPr id="11" name="Textfeld 10">
+            <a:extLst>
+              <a:ext uri="{FF2B5EF4-FFF2-40B4-BE49-F238E27FC236}">
+                <a16:creationId xmlns:a16="http://schemas.microsoft.com/office/drawing/2014/main" id="{1CD87262-9382-332C-78FD-5A3EB63B480E}"/>
+              </a:ext>
+            </a:extLst>
+          </p:cNvPr>
+          <p:cNvSpPr txBox="1"/>
+          <p:nvPr/>
+        </p:nvSpPr>
+        <p:spPr>
+          <a:xfrm>
+            <a:off x="6391922" y="5868988"/>
+            <a:ext cx="355107" cy="369332"/>
+          </a:xfrm>
+          <a:prstGeom prst="rect">
+            <a:avLst/>
+          </a:prstGeom>
+          <a:noFill/>
+        </p:spPr>
+        <p:txBody>
+          <a:bodyPr wrap="square" rtlCol="0">
+            <a:spAutoFit/>
+          </a:bodyPr>
+          <a:lstStyle/>
+          <a:p>
+            <a:r>
+              <a:rPr lang="de-AT" dirty="0"/>
+              <a:t>1</a:t>
+            </a:r>
           </a:p>
         </p:txBody>
       </p:sp>
     </p:spTree>
     <p:extLst>
       <p:ext uri="{BB962C8B-B14F-4D97-AF65-F5344CB8AC3E}">
-        <p14:creationId xmlns:p14="http://schemas.microsoft.com/office/powerpoint/2010/main" val="4234071645"/>
+        <p14:creationId xmlns:p14="http://schemas.microsoft.com/office/powerpoint/2010/main" val="3455741484"/>
       </p:ext>
     </p:extLst>
   </p:cSld>
@@ -6385,7 +7331,7 @@
           <p:cNvPr id="2" name="Titel 1">
             <a:extLst>
               <a:ext uri="{FF2B5EF4-FFF2-40B4-BE49-F238E27FC236}">
-                <a16:creationId xmlns:a16="http://schemas.microsoft.com/office/drawing/2014/main" id="{F11D7FC3-2EB9-7953-D685-F52AC35F30C8}"/>
+                <a16:creationId xmlns:a16="http://schemas.microsoft.com/office/drawing/2014/main" id="{1A9CD14B-9971-DFF9-110E-F5633CCD27B3}"/>
               </a:ext>
             </a:extLst>
           </p:cNvPr>
@@ -6403,278 +7349,214 @@
           <a:p>
             <a:r>
               <a:rPr lang="de-AT" dirty="0"/>
-              <a:t>Mapping </a:t>
-            </a:r>
-            <a:r>
-              <a:rPr lang="de-AT" dirty="0" err="1"/>
-              <a:t>utilization</a:t>
-            </a:r>
-            <a:r>
-              <a:rPr lang="de-AT" dirty="0"/>
-              <a:t> </a:t>
-            </a:r>
-            <a:r>
-              <a:rPr lang="de-AT" dirty="0" err="1"/>
-              <a:t>to</a:t>
-            </a:r>
-            <a:r>
-              <a:rPr lang="de-AT" dirty="0"/>
-              <a:t> </a:t>
-            </a:r>
-            <a:r>
-              <a:rPr lang="de-AT" dirty="0" err="1"/>
-              <a:t>fitness</a:t>
+              <a:t>Problems </a:t>
+            </a:r>
+            <a:r>
+              <a:rPr lang="de-AT" dirty="0" err="1"/>
+              <a:t>encountered</a:t>
             </a:r>
             <a:endParaRPr lang="de-AT" dirty="0"/>
           </a:p>
         </p:txBody>
       </p:sp>
-      <p:pic>
-        <p:nvPicPr>
-          <p:cNvPr id="5" name="Inhaltsplatzhalter 4">
+      <p:sp>
+        <p:nvSpPr>
+          <p:cNvPr id="3" name="Inhaltsplatzhalter 2">
             <a:extLst>
               <a:ext uri="{FF2B5EF4-FFF2-40B4-BE49-F238E27FC236}">
-                <a16:creationId xmlns:a16="http://schemas.microsoft.com/office/drawing/2014/main" id="{E6FC9C48-3ECB-9B31-74B0-22B0A6DC1938}"/>
+                <a16:creationId xmlns:a16="http://schemas.microsoft.com/office/drawing/2014/main" id="{EA783FE2-9AF1-14DD-E6AD-8DC9601DA72D}"/>
               </a:ext>
             </a:extLst>
           </p:cNvPr>
-          <p:cNvPicPr>
-            <a:picLocks noGrp="1" noChangeAspect="1"/>
-          </p:cNvPicPr>
+          <p:cNvSpPr>
+            <a:spLocks noGrp="1"/>
+          </p:cNvSpPr>
           <p:nvPr>
             <p:ph idx="1"/>
           </p:nvPr>
-        </p:nvPicPr>
-        <p:blipFill>
-          <a:blip r:embed="rId2"/>
-          <a:stretch>
-            <a:fillRect/>
-          </a:stretch>
-        </p:blipFill>
-        <p:spPr>
-          <a:xfrm>
-            <a:off x="2456229" y="1846263"/>
-            <a:ext cx="7339868" cy="4022725"/>
-          </a:xfrm>
-        </p:spPr>
-      </p:pic>
-      <p:sp>
-        <p:nvSpPr>
-          <p:cNvPr id="6" name="Textfeld 5">
-            <a:extLst>
-              <a:ext uri="{FF2B5EF4-FFF2-40B4-BE49-F238E27FC236}">
-                <a16:creationId xmlns:a16="http://schemas.microsoft.com/office/drawing/2014/main" id="{B61461FC-DEEA-E167-B290-C68D551F6893}"/>
-              </a:ext>
-            </a:extLst>
-          </p:cNvPr>
-          <p:cNvSpPr txBox="1"/>
-          <p:nvPr/>
-        </p:nvSpPr>
-        <p:spPr>
-          <a:xfrm rot="16200000">
-            <a:off x="1280832" y="3605331"/>
-            <a:ext cx="1819469" cy="369332"/>
-          </a:xfrm>
-          <a:prstGeom prst="rect">
-            <a:avLst/>
-          </a:prstGeom>
-          <a:noFill/>
-        </p:spPr>
-        <p:txBody>
-          <a:bodyPr wrap="square" rtlCol="0">
-            <a:spAutoFit/>
-          </a:bodyPr>
-          <a:lstStyle/>
-          <a:p>
-            <a:pPr algn="ctr"/>
-            <a:r>
-              <a:rPr lang="de-AT" dirty="0"/>
-              <a:t>Fitness</a:t>
-            </a:r>
-          </a:p>
-        </p:txBody>
-      </p:sp>
-      <p:sp>
-        <p:nvSpPr>
-          <p:cNvPr id="7" name="Textfeld 6">
-            <a:extLst>
-              <a:ext uri="{FF2B5EF4-FFF2-40B4-BE49-F238E27FC236}">
-                <a16:creationId xmlns:a16="http://schemas.microsoft.com/office/drawing/2014/main" id="{434AF907-D122-05ED-B985-7A886CD10F6D}"/>
-              </a:ext>
-            </a:extLst>
-          </p:cNvPr>
-          <p:cNvSpPr txBox="1"/>
-          <p:nvPr/>
-        </p:nvSpPr>
-        <p:spPr>
-          <a:xfrm>
-            <a:off x="3899003" y="5981110"/>
-            <a:ext cx="1819469" cy="369332"/>
-          </a:xfrm>
-          <a:prstGeom prst="rect">
-            <a:avLst/>
-          </a:prstGeom>
-          <a:noFill/>
-        </p:spPr>
-        <p:txBody>
-          <a:bodyPr wrap="square" rtlCol="0">
-            <a:spAutoFit/>
-          </a:bodyPr>
-          <a:lstStyle/>
-          <a:p>
-            <a:pPr algn="ctr"/>
-            <a:r>
-              <a:rPr lang="de-AT" dirty="0" err="1"/>
-              <a:t>Utilization</a:t>
+        </p:nvSpPr>
+        <p:spPr/>
+        <p:txBody>
+          <a:bodyPr/>
+          <a:lstStyle/>
+          <a:p>
+            <a:pPr>
+              <a:buFont typeface="Arial" panose="020B0604020202020204" pitchFamily="34" charset="0"/>
+              <a:buChar char="•"/>
+            </a:pPr>
+            <a:r>
+              <a:rPr lang="de-AT" dirty="0"/>
+              <a:t> Fitness </a:t>
+            </a:r>
+            <a:r>
+              <a:rPr lang="de-AT" dirty="0" err="1"/>
+              <a:t>value</a:t>
+            </a:r>
+            <a:r>
+              <a:rPr lang="de-AT" dirty="0"/>
+              <a:t> </a:t>
+            </a:r>
+            <a:r>
+              <a:rPr lang="de-AT" dirty="0" err="1"/>
+              <a:t>depends</a:t>
+            </a:r>
+            <a:r>
+              <a:rPr lang="de-AT" dirty="0"/>
+              <a:t> </a:t>
+            </a:r>
+            <a:r>
+              <a:rPr lang="de-AT" dirty="0" err="1"/>
+              <a:t>largely</a:t>
+            </a:r>
+            <a:r>
+              <a:rPr lang="de-AT" dirty="0"/>
+              <a:t> on </a:t>
+            </a:r>
+            <a:r>
+              <a:rPr lang="de-AT" dirty="0" err="1"/>
+              <a:t>ratio</a:t>
+            </a:r>
+            <a:r>
+              <a:rPr lang="de-AT" dirty="0"/>
+              <a:t> </a:t>
+            </a:r>
+            <a:r>
+              <a:rPr lang="de-AT" dirty="0" err="1"/>
+              <a:t>of</a:t>
+            </a:r>
+            <a:r>
+              <a:rPr lang="de-AT" dirty="0"/>
+              <a:t> </a:t>
+            </a:r>
+            <a:r>
+              <a:rPr lang="de-AT" dirty="0" err="1"/>
+              <a:t>nodes</a:t>
+            </a:r>
+            <a:r>
+              <a:rPr lang="de-AT" dirty="0"/>
+              <a:t> and </a:t>
+            </a:r>
+            <a:r>
+              <a:rPr lang="de-AT" dirty="0" err="1"/>
+              <a:t>work</a:t>
             </a:r>
             <a:endParaRPr lang="de-AT" dirty="0"/>
           </a:p>
-        </p:txBody>
-      </p:sp>
-      <p:sp>
-        <p:nvSpPr>
-          <p:cNvPr id="8" name="Textfeld 7">
-            <a:extLst>
-              <a:ext uri="{FF2B5EF4-FFF2-40B4-BE49-F238E27FC236}">
-                <a16:creationId xmlns:a16="http://schemas.microsoft.com/office/drawing/2014/main" id="{3477BCFB-0BAB-C33E-88D1-C6DE4DD04FC8}"/>
-              </a:ext>
-            </a:extLst>
-          </p:cNvPr>
-          <p:cNvSpPr txBox="1"/>
-          <p:nvPr/>
-        </p:nvSpPr>
-        <p:spPr>
-          <a:xfrm>
-            <a:off x="2190566" y="1846263"/>
-            <a:ext cx="184667" cy="369332"/>
-          </a:xfrm>
-          <a:prstGeom prst="rect">
-            <a:avLst/>
-          </a:prstGeom>
-          <a:noFill/>
-        </p:spPr>
-        <p:txBody>
-          <a:bodyPr wrap="square" rtlCol="0">
-            <a:spAutoFit/>
-          </a:bodyPr>
-          <a:lstStyle/>
-          <a:p>
-            <a:r>
-              <a:rPr lang="de-AT" dirty="0"/>
-              <a:t>1</a:t>
-            </a:r>
-          </a:p>
-        </p:txBody>
-      </p:sp>
-      <p:sp>
-        <p:nvSpPr>
-          <p:cNvPr id="9" name="Textfeld 8">
-            <a:extLst>
-              <a:ext uri="{FF2B5EF4-FFF2-40B4-BE49-F238E27FC236}">
-                <a16:creationId xmlns:a16="http://schemas.microsoft.com/office/drawing/2014/main" id="{B8E446EB-40F2-CDE5-FDC6-31E8F97B086C}"/>
-              </a:ext>
-            </a:extLst>
-          </p:cNvPr>
-          <p:cNvSpPr txBox="1"/>
-          <p:nvPr/>
-        </p:nvSpPr>
-        <p:spPr>
-          <a:xfrm>
-            <a:off x="2190566" y="5585145"/>
-            <a:ext cx="205337" cy="369332"/>
-          </a:xfrm>
-          <a:prstGeom prst="rect">
-            <a:avLst/>
-          </a:prstGeom>
-          <a:noFill/>
-        </p:spPr>
-        <p:txBody>
-          <a:bodyPr wrap="square" rtlCol="0">
-            <a:spAutoFit/>
-          </a:bodyPr>
-          <a:lstStyle/>
-          <a:p>
-            <a:r>
-              <a:rPr lang="de-AT" dirty="0"/>
-              <a:t>0</a:t>
-            </a:r>
-          </a:p>
-        </p:txBody>
-      </p:sp>
-      <p:sp>
-        <p:nvSpPr>
-          <p:cNvPr id="10" name="Textfeld 9">
-            <a:extLst>
-              <a:ext uri="{FF2B5EF4-FFF2-40B4-BE49-F238E27FC236}">
-                <a16:creationId xmlns:a16="http://schemas.microsoft.com/office/drawing/2014/main" id="{9B3DC37C-487A-1264-C478-5EF6F824669F}"/>
-              </a:ext>
-            </a:extLst>
-          </p:cNvPr>
-          <p:cNvSpPr txBox="1"/>
-          <p:nvPr/>
-        </p:nvSpPr>
-        <p:spPr>
-          <a:xfrm>
-            <a:off x="2456229" y="5868988"/>
-            <a:ext cx="562179" cy="369332"/>
-          </a:xfrm>
-          <a:prstGeom prst="rect">
-            <a:avLst/>
-          </a:prstGeom>
-          <a:noFill/>
-        </p:spPr>
-        <p:txBody>
-          <a:bodyPr wrap="square" rtlCol="0">
-            <a:spAutoFit/>
-          </a:bodyPr>
-          <a:lstStyle/>
-          <a:p>
-            <a:r>
-              <a:rPr lang="de-AT" dirty="0"/>
-              <a:t>0</a:t>
-            </a:r>
-          </a:p>
-        </p:txBody>
-      </p:sp>
-      <p:sp>
-        <p:nvSpPr>
-          <p:cNvPr id="11" name="Textfeld 10">
-            <a:extLst>
-              <a:ext uri="{FF2B5EF4-FFF2-40B4-BE49-F238E27FC236}">
-                <a16:creationId xmlns:a16="http://schemas.microsoft.com/office/drawing/2014/main" id="{1CD87262-9382-332C-78FD-5A3EB63B480E}"/>
-              </a:ext>
-            </a:extLst>
-          </p:cNvPr>
-          <p:cNvSpPr txBox="1"/>
-          <p:nvPr/>
-        </p:nvSpPr>
-        <p:spPr>
-          <a:xfrm>
-            <a:off x="6391922" y="5868988"/>
-            <a:ext cx="355107" cy="369332"/>
-          </a:xfrm>
-          <a:prstGeom prst="rect">
-            <a:avLst/>
-          </a:prstGeom>
-          <a:noFill/>
-        </p:spPr>
-        <p:txBody>
-          <a:bodyPr wrap="square" rtlCol="0">
-            <a:spAutoFit/>
-          </a:bodyPr>
-          <a:lstStyle/>
-          <a:p>
-            <a:r>
-              <a:rPr lang="de-AT" dirty="0"/>
-              <a:t>1</a:t>
-            </a:r>
+          <a:p>
+            <a:pPr>
+              <a:buFont typeface="Arial" panose="020B0604020202020204" pitchFamily="34" charset="0"/>
+              <a:buChar char="•"/>
+            </a:pPr>
+            <a:r>
+              <a:rPr lang="de-AT" dirty="0"/>
+              <a:t> </a:t>
+            </a:r>
+            <a:r>
+              <a:rPr lang="de-AT" dirty="0" err="1"/>
+              <a:t>only</a:t>
+            </a:r>
+            <a:r>
+              <a:rPr lang="de-AT" dirty="0"/>
+              <a:t> </a:t>
+            </a:r>
+            <a:r>
+              <a:rPr lang="de-AT" dirty="0" err="1"/>
+              <a:t>small</a:t>
+            </a:r>
+            <a:r>
+              <a:rPr lang="de-AT" dirty="0"/>
+              <a:t> </a:t>
+            </a:r>
+            <a:r>
+              <a:rPr lang="de-AT" dirty="0" err="1"/>
+              <a:t>changes</a:t>
+            </a:r>
+            <a:r>
+              <a:rPr lang="de-AT" dirty="0"/>
+              <a:t> in </a:t>
+            </a:r>
+            <a:r>
+              <a:rPr lang="de-AT" dirty="0" err="1"/>
+              <a:t>fitness</a:t>
+            </a:r>
+            <a:r>
+              <a:rPr lang="de-AT" dirty="0"/>
+              <a:t> =&gt; </a:t>
+            </a:r>
+            <a:r>
+              <a:rPr lang="de-AT" dirty="0" err="1"/>
+              <a:t>modified</a:t>
+            </a:r>
+            <a:r>
+              <a:rPr lang="de-AT" dirty="0"/>
+              <a:t> </a:t>
+            </a:r>
+            <a:r>
+              <a:rPr lang="de-AT" dirty="0" err="1"/>
+              <a:t>mutation</a:t>
+            </a:r>
+            <a:r>
+              <a:rPr lang="de-AT" dirty="0"/>
+              <a:t> </a:t>
+            </a:r>
+            <a:r>
+              <a:rPr lang="de-AT" dirty="0" err="1"/>
+              <a:t>helped</a:t>
+            </a:r>
+            <a:endParaRPr lang="de-AT" dirty="0"/>
+          </a:p>
+          <a:p>
+            <a:pPr>
+              <a:buFont typeface="Arial" panose="020B0604020202020204" pitchFamily="34" charset="0"/>
+              <a:buChar char="•"/>
+            </a:pPr>
+            <a:r>
+              <a:rPr lang="de-AT" dirty="0"/>
+              <a:t> </a:t>
+            </a:r>
+            <a:r>
+              <a:rPr lang="de-AT" dirty="0" err="1"/>
+              <a:t>performance</a:t>
+            </a:r>
+            <a:endParaRPr lang="de-AT" dirty="0"/>
+          </a:p>
+          <a:p>
+            <a:pPr>
+              <a:buFont typeface="Arial" panose="020B0604020202020204" pitchFamily="34" charset="0"/>
+              <a:buChar char="•"/>
+            </a:pPr>
+            <a:r>
+              <a:rPr lang="de-AT" dirty="0"/>
+              <a:t> </a:t>
+            </a:r>
+            <a:r>
+              <a:rPr lang="de-AT" dirty="0" err="1"/>
+              <a:t>no</a:t>
+            </a:r>
+            <a:r>
+              <a:rPr lang="de-AT" dirty="0"/>
+              <a:t> </a:t>
+            </a:r>
+            <a:r>
+              <a:rPr lang="de-AT" dirty="0" err="1"/>
+              <a:t>fitting</a:t>
+            </a:r>
+            <a:r>
+              <a:rPr lang="de-AT" dirty="0"/>
+              <a:t> </a:t>
+            </a:r>
+            <a:r>
+              <a:rPr lang="de-AT" dirty="0" err="1"/>
+              <a:t>dataset</a:t>
+            </a:r>
+            <a:endParaRPr lang="de-AT" dirty="0"/>
           </a:p>
         </p:txBody>
       </p:sp>
     </p:spTree>
     <p:extLst>
       <p:ext uri="{BB962C8B-B14F-4D97-AF65-F5344CB8AC3E}">
-        <p14:creationId xmlns:p14="http://schemas.microsoft.com/office/powerpoint/2010/main" val="3455741484"/>
+        <p14:creationId xmlns:p14="http://schemas.microsoft.com/office/powerpoint/2010/main" val="3644250317"/>
       </p:ext>
     </p:extLst>
   </p:cSld>
@@ -6724,22 +7606,43 @@
           <a:p>
             <a:r>
               <a:rPr lang="de-AT" dirty="0"/>
-              <a:t>Implementation</a:t>
-            </a:r>
+              <a:t>Fitness </a:t>
+            </a:r>
+            <a:r>
+              <a:rPr lang="de-AT" dirty="0" err="1"/>
+              <a:t>of</a:t>
+            </a:r>
+            <a:r>
+              <a:rPr lang="de-AT" dirty="0"/>
+              <a:t> 100 </a:t>
+            </a:r>
+            <a:r>
+              <a:rPr lang="de-AT" dirty="0" err="1"/>
+              <a:t>nodes</a:t>
+            </a:r>
+            <a:r>
+              <a:rPr lang="de-AT" dirty="0"/>
+              <a:t> 1000 </a:t>
+            </a:r>
+            <a:r>
+              <a:rPr lang="de-AT" dirty="0" err="1"/>
+              <a:t>jobs</a:t>
+            </a:r>
+            <a:endParaRPr lang="de-AT" dirty="0"/>
           </a:p>
         </p:txBody>
       </p:sp>
       <p:pic>
         <p:nvPicPr>
-          <p:cNvPr id="1026" name="Picture 2">
+          <p:cNvPr id="5" name="Inhaltsplatzhalter 4">
             <a:extLst>
               <a:ext uri="{FF2B5EF4-FFF2-40B4-BE49-F238E27FC236}">
-                <a16:creationId xmlns:a16="http://schemas.microsoft.com/office/drawing/2014/main" id="{A66AB676-11EA-D512-E0D0-78DA0024CB8C}"/>
+                <a16:creationId xmlns:a16="http://schemas.microsoft.com/office/drawing/2014/main" id="{C8392822-EA7F-68D3-5DE3-ABDF501E6949}"/>
               </a:ext>
             </a:extLst>
           </p:cNvPr>
           <p:cNvPicPr>
-            <a:picLocks noGrp="1" noChangeAspect="1" noChangeArrowheads="1"/>
+            <a:picLocks noGrp="1" noChangeAspect="1"/>
           </p:cNvPicPr>
           <p:nvPr>
             <p:ph idx="1"/>
@@ -6753,29 +7656,15 @@
               </a:ext>
             </a:extLst>
           </a:blip>
-          <a:srcRect/>
           <a:stretch>
             <a:fillRect/>
           </a:stretch>
         </p:blipFill>
-        <p:spPr bwMode="auto">
+        <p:spPr>
           <a:xfrm>
-            <a:off x="4114800" y="1846263"/>
-            <a:ext cx="4022725" cy="4022725"/>
+            <a:off x="2103438" y="1846263"/>
+            <a:ext cx="8045449" cy="4022725"/>
           </a:xfrm>
-          <a:prstGeom prst="rect">
-            <a:avLst/>
-          </a:prstGeom>
-          <a:noFill/>
-          <a:extLst>
-            <a:ext uri="{909E8E84-426E-40DD-AFC4-6F175D3DCCD1}">
-              <a14:hiddenFill xmlns:a14="http://schemas.microsoft.com/office/drawing/2010/main">
-                <a:solidFill>
-                  <a:srgbClr val="FFFFFF"/>
-                </a:solidFill>
-              </a14:hiddenFill>
-            </a:ext>
-          </a:extLst>
         </p:spPr>
       </p:pic>
     </p:spTree>
@@ -6813,7 +7702,7 @@
           <p:cNvPr id="2" name="Titel 1">
             <a:extLst>
               <a:ext uri="{FF2B5EF4-FFF2-40B4-BE49-F238E27FC236}">
-                <a16:creationId xmlns:a16="http://schemas.microsoft.com/office/drawing/2014/main" id="{C9AD3B6C-1E76-5624-291C-A024B97596D4}"/>
+                <a16:creationId xmlns:a16="http://schemas.microsoft.com/office/drawing/2014/main" id="{4D5E44B5-5A1E-9512-1C7F-5245FCD7BB0C}"/>
               </a:ext>
             </a:extLst>
           </p:cNvPr>
@@ -6830,591 +7719,62 @@
           <a:lstStyle/>
           <a:p>
             <a:r>
-              <a:rPr lang="de-AT" dirty="0"/>
-              <a:t>References</a:t>
-            </a:r>
-          </a:p>
-        </p:txBody>
-      </p:sp>
-      <p:sp>
-        <p:nvSpPr>
-          <p:cNvPr id="3" name="Inhaltsplatzhalter 2">
+              <a:rPr lang="de-AT" dirty="0" err="1"/>
+              <a:t>Produced</a:t>
+            </a:r>
+            <a:r>
+              <a:rPr lang="de-AT" dirty="0"/>
+              <a:t> Schedule </a:t>
+            </a:r>
+            <a:r>
+              <a:rPr lang="de-AT" dirty="0" err="1"/>
+              <a:t>as</a:t>
+            </a:r>
+            <a:r>
+              <a:rPr lang="de-AT" dirty="0"/>
+              <a:t> </a:t>
+            </a:r>
+            <a:r>
+              <a:rPr lang="de-AT" dirty="0" err="1"/>
+              <a:t>Txt</a:t>
+            </a:r>
+            <a:endParaRPr lang="de-AT" dirty="0"/>
+          </a:p>
+        </p:txBody>
+      </p:sp>
+      <p:pic>
+        <p:nvPicPr>
+          <p:cNvPr id="5" name="Inhaltsplatzhalter 4">
             <a:extLst>
               <a:ext uri="{FF2B5EF4-FFF2-40B4-BE49-F238E27FC236}">
-                <a16:creationId xmlns:a16="http://schemas.microsoft.com/office/drawing/2014/main" id="{074C08D1-23F7-8C15-5508-8839189345DA}"/>
+                <a16:creationId xmlns:a16="http://schemas.microsoft.com/office/drawing/2014/main" id="{AFB8F5D2-ADA9-0A23-7B70-A304B769EB29}"/>
               </a:ext>
             </a:extLst>
           </p:cNvPr>
-          <p:cNvSpPr>
-            <a:spLocks noGrp="1"/>
-          </p:cNvSpPr>
+          <p:cNvPicPr>
+            <a:picLocks noGrp="1" noChangeAspect="1"/>
+          </p:cNvPicPr>
           <p:nvPr>
             <p:ph idx="1"/>
           </p:nvPr>
-        </p:nvSpPr>
-        <p:spPr/>
-        <p:txBody>
-          <a:bodyPr/>
-          <a:lstStyle/>
-          <a:p>
-            <a:r>
-              <a:rPr lang="en-US" b="0" i="0" dirty="0">
-                <a:solidFill>
-                  <a:srgbClr val="222222"/>
-                </a:solidFill>
-                <a:effectLst/>
-                <a:latin typeface="Arial" panose="020B0604020202020204" pitchFamily="34" charset="0"/>
-              </a:rPr>
-              <a:t>Jang, Sung Ho, et al. "The study of genetic algorithm-based task scheduling for cloud computing." </a:t>
-            </a:r>
-            <a:r>
-              <a:rPr lang="en-US" b="0" i="1" dirty="0">
-                <a:solidFill>
-                  <a:srgbClr val="222222"/>
-                </a:solidFill>
-                <a:effectLst/>
-                <a:latin typeface="Arial" panose="020B0604020202020204" pitchFamily="34" charset="0"/>
-              </a:rPr>
-              <a:t>International Journal of Control and Automation</a:t>
-            </a:r>
-            <a:r>
-              <a:rPr lang="en-US" b="0" i="0" dirty="0">
-                <a:solidFill>
-                  <a:srgbClr val="222222"/>
-                </a:solidFill>
-                <a:effectLst/>
-                <a:latin typeface="Arial" panose="020B0604020202020204" pitchFamily="34" charset="0"/>
-              </a:rPr>
-              <a:t> 5.4 (2012): 157-162.</a:t>
-            </a:r>
-          </a:p>
-          <a:p>
-            <a:r>
-              <a:rPr lang="de-AT" b="0" i="0" dirty="0" err="1">
-                <a:solidFill>
-                  <a:srgbClr val="222222"/>
-                </a:solidFill>
-                <a:effectLst/>
-                <a:latin typeface="Arial" panose="020B0604020202020204" pitchFamily="34" charset="0"/>
-              </a:rPr>
-              <a:t>Pezzella</a:t>
-            </a:r>
-            <a:r>
-              <a:rPr lang="de-AT" b="0" i="0" dirty="0">
-                <a:solidFill>
-                  <a:srgbClr val="222222"/>
-                </a:solidFill>
-                <a:effectLst/>
-                <a:latin typeface="Arial" panose="020B0604020202020204" pitchFamily="34" charset="0"/>
-              </a:rPr>
-              <a:t>, Ferdinando, Gianluca </a:t>
-            </a:r>
-            <a:r>
-              <a:rPr lang="de-AT" b="0" i="0" dirty="0" err="1">
-                <a:solidFill>
-                  <a:srgbClr val="222222"/>
-                </a:solidFill>
-                <a:effectLst/>
-                <a:latin typeface="Arial" panose="020B0604020202020204" pitchFamily="34" charset="0"/>
-              </a:rPr>
-              <a:t>Morganti</a:t>
-            </a:r>
-            <a:r>
-              <a:rPr lang="de-AT" b="0" i="0" dirty="0">
-                <a:solidFill>
-                  <a:srgbClr val="222222"/>
-                </a:solidFill>
-                <a:effectLst/>
-                <a:latin typeface="Arial" panose="020B0604020202020204" pitchFamily="34" charset="0"/>
-              </a:rPr>
-              <a:t>, and Giampiero </a:t>
-            </a:r>
-            <a:r>
-              <a:rPr lang="de-AT" b="0" i="0" dirty="0" err="1">
-                <a:solidFill>
-                  <a:srgbClr val="222222"/>
-                </a:solidFill>
-                <a:effectLst/>
-                <a:latin typeface="Arial" panose="020B0604020202020204" pitchFamily="34" charset="0"/>
-              </a:rPr>
-              <a:t>Ciaschetti</a:t>
-            </a:r>
-            <a:r>
-              <a:rPr lang="de-AT" b="0" i="0" dirty="0">
-                <a:solidFill>
-                  <a:srgbClr val="222222"/>
-                </a:solidFill>
-                <a:effectLst/>
-                <a:latin typeface="Arial" panose="020B0604020202020204" pitchFamily="34" charset="0"/>
-              </a:rPr>
-              <a:t>. "A </a:t>
-            </a:r>
-            <a:r>
-              <a:rPr lang="de-AT" b="0" i="0" dirty="0" err="1">
-                <a:solidFill>
-                  <a:srgbClr val="222222"/>
-                </a:solidFill>
-                <a:effectLst/>
-                <a:latin typeface="Arial" panose="020B0604020202020204" pitchFamily="34" charset="0"/>
-              </a:rPr>
-              <a:t>genetic</a:t>
-            </a:r>
-            <a:r>
-              <a:rPr lang="de-AT" b="0" i="0" dirty="0">
-                <a:solidFill>
-                  <a:srgbClr val="222222"/>
-                </a:solidFill>
-                <a:effectLst/>
-                <a:latin typeface="Arial" panose="020B0604020202020204" pitchFamily="34" charset="0"/>
-              </a:rPr>
-              <a:t> </a:t>
-            </a:r>
-            <a:r>
-              <a:rPr lang="de-AT" b="0" i="0" dirty="0" err="1">
-                <a:solidFill>
-                  <a:srgbClr val="222222"/>
-                </a:solidFill>
-                <a:effectLst/>
-                <a:latin typeface="Arial" panose="020B0604020202020204" pitchFamily="34" charset="0"/>
-              </a:rPr>
-              <a:t>algorithm</a:t>
-            </a:r>
-            <a:r>
-              <a:rPr lang="de-AT" b="0" i="0" dirty="0">
-                <a:solidFill>
-                  <a:srgbClr val="222222"/>
-                </a:solidFill>
-                <a:effectLst/>
-                <a:latin typeface="Arial" panose="020B0604020202020204" pitchFamily="34" charset="0"/>
-              </a:rPr>
-              <a:t> </a:t>
-            </a:r>
-            <a:r>
-              <a:rPr lang="de-AT" b="0" i="0" dirty="0" err="1">
-                <a:solidFill>
-                  <a:srgbClr val="222222"/>
-                </a:solidFill>
-                <a:effectLst/>
-                <a:latin typeface="Arial" panose="020B0604020202020204" pitchFamily="34" charset="0"/>
-              </a:rPr>
-              <a:t>for</a:t>
-            </a:r>
-            <a:r>
-              <a:rPr lang="de-AT" b="0" i="0" dirty="0">
-                <a:solidFill>
-                  <a:srgbClr val="222222"/>
-                </a:solidFill>
-                <a:effectLst/>
-                <a:latin typeface="Arial" panose="020B0604020202020204" pitchFamily="34" charset="0"/>
-              </a:rPr>
-              <a:t> </a:t>
-            </a:r>
-            <a:r>
-              <a:rPr lang="de-AT" b="0" i="0" dirty="0" err="1">
-                <a:solidFill>
-                  <a:srgbClr val="222222"/>
-                </a:solidFill>
-                <a:effectLst/>
-                <a:latin typeface="Arial" panose="020B0604020202020204" pitchFamily="34" charset="0"/>
-              </a:rPr>
-              <a:t>the</a:t>
-            </a:r>
-            <a:r>
-              <a:rPr lang="de-AT" b="0" i="0" dirty="0">
-                <a:solidFill>
-                  <a:srgbClr val="222222"/>
-                </a:solidFill>
-                <a:effectLst/>
-                <a:latin typeface="Arial" panose="020B0604020202020204" pitchFamily="34" charset="0"/>
-              </a:rPr>
-              <a:t> flexible job-shop </a:t>
-            </a:r>
-            <a:r>
-              <a:rPr lang="de-AT" b="0" i="0" dirty="0" err="1">
-                <a:solidFill>
-                  <a:srgbClr val="222222"/>
-                </a:solidFill>
-                <a:effectLst/>
-                <a:latin typeface="Arial" panose="020B0604020202020204" pitchFamily="34" charset="0"/>
-              </a:rPr>
-              <a:t>scheduling</a:t>
-            </a:r>
-            <a:r>
-              <a:rPr lang="de-AT" b="0" i="0" dirty="0">
-                <a:solidFill>
-                  <a:srgbClr val="222222"/>
-                </a:solidFill>
-                <a:effectLst/>
-                <a:latin typeface="Arial" panose="020B0604020202020204" pitchFamily="34" charset="0"/>
-              </a:rPr>
-              <a:t> </a:t>
-            </a:r>
-            <a:r>
-              <a:rPr lang="de-AT" b="0" i="0" dirty="0" err="1">
-                <a:solidFill>
-                  <a:srgbClr val="222222"/>
-                </a:solidFill>
-                <a:effectLst/>
-                <a:latin typeface="Arial" panose="020B0604020202020204" pitchFamily="34" charset="0"/>
-              </a:rPr>
-              <a:t>problem</a:t>
-            </a:r>
-            <a:r>
-              <a:rPr lang="de-AT" b="0" i="0" dirty="0">
-                <a:solidFill>
-                  <a:srgbClr val="222222"/>
-                </a:solidFill>
-                <a:effectLst/>
-                <a:latin typeface="Arial" panose="020B0604020202020204" pitchFamily="34" charset="0"/>
-              </a:rPr>
-              <a:t>." </a:t>
-            </a:r>
-            <a:r>
-              <a:rPr lang="de-AT" b="0" i="1" dirty="0">
-                <a:solidFill>
-                  <a:srgbClr val="222222"/>
-                </a:solidFill>
-                <a:effectLst/>
-                <a:latin typeface="Arial" panose="020B0604020202020204" pitchFamily="34" charset="0"/>
-              </a:rPr>
-              <a:t>Computers &amp; </a:t>
-            </a:r>
-            <a:r>
-              <a:rPr lang="de-AT" b="0" i="1" dirty="0" err="1">
-                <a:solidFill>
-                  <a:srgbClr val="222222"/>
-                </a:solidFill>
-                <a:effectLst/>
-                <a:latin typeface="Arial" panose="020B0604020202020204" pitchFamily="34" charset="0"/>
-              </a:rPr>
-              <a:t>operations</a:t>
-            </a:r>
-            <a:r>
-              <a:rPr lang="de-AT" b="0" i="1" dirty="0">
-                <a:solidFill>
-                  <a:srgbClr val="222222"/>
-                </a:solidFill>
-                <a:effectLst/>
-                <a:latin typeface="Arial" panose="020B0604020202020204" pitchFamily="34" charset="0"/>
-              </a:rPr>
-              <a:t> </a:t>
-            </a:r>
-            <a:r>
-              <a:rPr lang="de-AT" b="0" i="1" dirty="0" err="1">
-                <a:solidFill>
-                  <a:srgbClr val="222222"/>
-                </a:solidFill>
-                <a:effectLst/>
-                <a:latin typeface="Arial" panose="020B0604020202020204" pitchFamily="34" charset="0"/>
-              </a:rPr>
-              <a:t>research</a:t>
-            </a:r>
-            <a:r>
-              <a:rPr lang="de-AT" b="0" i="0" dirty="0">
-                <a:solidFill>
-                  <a:srgbClr val="222222"/>
-                </a:solidFill>
-                <a:effectLst/>
-                <a:latin typeface="Arial" panose="020B0604020202020204" pitchFamily="34" charset="0"/>
-              </a:rPr>
-              <a:t> 35.10 (2008): 3202-3212.</a:t>
-            </a:r>
-            <a:endParaRPr lang="en-US" dirty="0">
-              <a:solidFill>
-                <a:srgbClr val="222222"/>
-              </a:solidFill>
-              <a:latin typeface="Arial" panose="020B0604020202020204" pitchFamily="34" charset="0"/>
-            </a:endParaRPr>
-          </a:p>
-          <a:p>
-            <a:r>
-              <a:rPr lang="de-AT" b="0" i="0" dirty="0" err="1">
-                <a:solidFill>
-                  <a:srgbClr val="222222"/>
-                </a:solidFill>
-                <a:effectLst/>
-                <a:latin typeface="Arial" panose="020B0604020202020204" pitchFamily="34" charset="0"/>
-              </a:rPr>
-              <a:t>Agarwal</a:t>
-            </a:r>
-            <a:r>
-              <a:rPr lang="de-AT" b="0" i="0" dirty="0">
-                <a:solidFill>
-                  <a:srgbClr val="222222"/>
-                </a:solidFill>
-                <a:effectLst/>
-                <a:latin typeface="Arial" panose="020B0604020202020204" pitchFamily="34" charset="0"/>
-              </a:rPr>
-              <a:t>, </a:t>
-            </a:r>
-            <a:r>
-              <a:rPr lang="de-AT" b="0" i="0" dirty="0" err="1">
-                <a:solidFill>
-                  <a:srgbClr val="222222"/>
-                </a:solidFill>
-                <a:effectLst/>
-                <a:latin typeface="Arial" panose="020B0604020202020204" pitchFamily="34" charset="0"/>
-              </a:rPr>
-              <a:t>Mohit</a:t>
-            </a:r>
-            <a:r>
-              <a:rPr lang="de-AT" b="0" i="0" dirty="0">
-                <a:solidFill>
-                  <a:srgbClr val="222222"/>
-                </a:solidFill>
-                <a:effectLst/>
-                <a:latin typeface="Arial" panose="020B0604020202020204" pitchFamily="34" charset="0"/>
-              </a:rPr>
-              <a:t>, and Gur </a:t>
-            </a:r>
-            <a:r>
-              <a:rPr lang="de-AT" b="0" i="0" dirty="0" err="1">
-                <a:solidFill>
-                  <a:srgbClr val="222222"/>
-                </a:solidFill>
-                <a:effectLst/>
-                <a:latin typeface="Arial" panose="020B0604020202020204" pitchFamily="34" charset="0"/>
-              </a:rPr>
-              <a:t>Mauj</a:t>
-            </a:r>
-            <a:r>
-              <a:rPr lang="de-AT" b="0" i="0" dirty="0">
-                <a:solidFill>
-                  <a:srgbClr val="222222"/>
-                </a:solidFill>
-                <a:effectLst/>
-                <a:latin typeface="Arial" panose="020B0604020202020204" pitchFamily="34" charset="0"/>
-              </a:rPr>
-              <a:t> </a:t>
-            </a:r>
-            <a:r>
-              <a:rPr lang="de-AT" b="0" i="0" dirty="0" err="1">
-                <a:solidFill>
-                  <a:srgbClr val="222222"/>
-                </a:solidFill>
-                <a:effectLst/>
-                <a:latin typeface="Arial" panose="020B0604020202020204" pitchFamily="34" charset="0"/>
-              </a:rPr>
-              <a:t>Saran</a:t>
-            </a:r>
-            <a:r>
-              <a:rPr lang="de-AT" b="0" i="0" dirty="0">
-                <a:solidFill>
-                  <a:srgbClr val="222222"/>
-                </a:solidFill>
-                <a:effectLst/>
-                <a:latin typeface="Arial" panose="020B0604020202020204" pitchFamily="34" charset="0"/>
-              </a:rPr>
-              <a:t> </a:t>
-            </a:r>
-            <a:r>
-              <a:rPr lang="de-AT" b="0" i="0" dirty="0" err="1">
-                <a:solidFill>
-                  <a:srgbClr val="222222"/>
-                </a:solidFill>
-                <a:effectLst/>
-                <a:latin typeface="Arial" panose="020B0604020202020204" pitchFamily="34" charset="0"/>
-              </a:rPr>
-              <a:t>Srivastava</a:t>
-            </a:r>
-            <a:r>
-              <a:rPr lang="de-AT" b="0" i="0" dirty="0">
-                <a:solidFill>
-                  <a:srgbClr val="222222"/>
-                </a:solidFill>
-                <a:effectLst/>
-                <a:latin typeface="Arial" panose="020B0604020202020204" pitchFamily="34" charset="0"/>
-              </a:rPr>
-              <a:t>. "A </a:t>
-            </a:r>
-            <a:r>
-              <a:rPr lang="de-AT" b="0" i="0" dirty="0" err="1">
-                <a:solidFill>
-                  <a:srgbClr val="222222"/>
-                </a:solidFill>
-                <a:effectLst/>
-                <a:latin typeface="Arial" panose="020B0604020202020204" pitchFamily="34" charset="0"/>
-              </a:rPr>
-              <a:t>genetic</a:t>
-            </a:r>
-            <a:r>
-              <a:rPr lang="de-AT" b="0" i="0" dirty="0">
-                <a:solidFill>
-                  <a:srgbClr val="222222"/>
-                </a:solidFill>
-                <a:effectLst/>
-                <a:latin typeface="Arial" panose="020B0604020202020204" pitchFamily="34" charset="0"/>
-              </a:rPr>
-              <a:t> </a:t>
-            </a:r>
-            <a:r>
-              <a:rPr lang="de-AT" b="0" i="0" dirty="0" err="1">
-                <a:solidFill>
-                  <a:srgbClr val="222222"/>
-                </a:solidFill>
-                <a:effectLst/>
-                <a:latin typeface="Arial" panose="020B0604020202020204" pitchFamily="34" charset="0"/>
-              </a:rPr>
-              <a:t>algorithm</a:t>
-            </a:r>
-            <a:r>
-              <a:rPr lang="de-AT" b="0" i="0" dirty="0">
-                <a:solidFill>
-                  <a:srgbClr val="222222"/>
-                </a:solidFill>
-                <a:effectLst/>
-                <a:latin typeface="Arial" panose="020B0604020202020204" pitchFamily="34" charset="0"/>
-              </a:rPr>
-              <a:t> </a:t>
-            </a:r>
-            <a:r>
-              <a:rPr lang="de-AT" b="0" i="0" dirty="0" err="1">
-                <a:solidFill>
-                  <a:srgbClr val="222222"/>
-                </a:solidFill>
-                <a:effectLst/>
-                <a:latin typeface="Arial" panose="020B0604020202020204" pitchFamily="34" charset="0"/>
-              </a:rPr>
-              <a:t>inspired</a:t>
-            </a:r>
-            <a:r>
-              <a:rPr lang="de-AT" b="0" i="0" dirty="0">
-                <a:solidFill>
-                  <a:srgbClr val="222222"/>
-                </a:solidFill>
-                <a:effectLst/>
-                <a:latin typeface="Arial" panose="020B0604020202020204" pitchFamily="34" charset="0"/>
-              </a:rPr>
-              <a:t> </a:t>
-            </a:r>
-            <a:r>
-              <a:rPr lang="de-AT" b="0" i="0" dirty="0" err="1">
-                <a:solidFill>
-                  <a:srgbClr val="222222"/>
-                </a:solidFill>
-                <a:effectLst/>
-                <a:latin typeface="Arial" panose="020B0604020202020204" pitchFamily="34" charset="0"/>
-              </a:rPr>
-              <a:t>task</a:t>
-            </a:r>
-            <a:r>
-              <a:rPr lang="de-AT" b="0" i="0" dirty="0">
-                <a:solidFill>
-                  <a:srgbClr val="222222"/>
-                </a:solidFill>
-                <a:effectLst/>
-                <a:latin typeface="Arial" panose="020B0604020202020204" pitchFamily="34" charset="0"/>
-              </a:rPr>
-              <a:t> </a:t>
-            </a:r>
-            <a:r>
-              <a:rPr lang="de-AT" b="0" i="0" dirty="0" err="1">
-                <a:solidFill>
-                  <a:srgbClr val="222222"/>
-                </a:solidFill>
-                <a:effectLst/>
-                <a:latin typeface="Arial" panose="020B0604020202020204" pitchFamily="34" charset="0"/>
-              </a:rPr>
-              <a:t>scheduling</a:t>
-            </a:r>
-            <a:r>
-              <a:rPr lang="de-AT" b="0" i="0" dirty="0">
-                <a:solidFill>
-                  <a:srgbClr val="222222"/>
-                </a:solidFill>
-                <a:effectLst/>
-                <a:latin typeface="Arial" panose="020B0604020202020204" pitchFamily="34" charset="0"/>
-              </a:rPr>
-              <a:t> in </a:t>
-            </a:r>
-            <a:r>
-              <a:rPr lang="de-AT" b="0" i="0" dirty="0" err="1">
-                <a:solidFill>
-                  <a:srgbClr val="222222"/>
-                </a:solidFill>
-                <a:effectLst/>
-                <a:latin typeface="Arial" panose="020B0604020202020204" pitchFamily="34" charset="0"/>
-              </a:rPr>
-              <a:t>cloud</a:t>
-            </a:r>
-            <a:r>
-              <a:rPr lang="de-AT" b="0" i="0" dirty="0">
-                <a:solidFill>
-                  <a:srgbClr val="222222"/>
-                </a:solidFill>
-                <a:effectLst/>
-                <a:latin typeface="Arial" panose="020B0604020202020204" pitchFamily="34" charset="0"/>
-              </a:rPr>
-              <a:t> </a:t>
-            </a:r>
-            <a:r>
-              <a:rPr lang="de-AT" b="0" i="0" dirty="0" err="1">
-                <a:solidFill>
-                  <a:srgbClr val="222222"/>
-                </a:solidFill>
-                <a:effectLst/>
-                <a:latin typeface="Arial" panose="020B0604020202020204" pitchFamily="34" charset="0"/>
-              </a:rPr>
-              <a:t>computing</a:t>
-            </a:r>
-            <a:r>
-              <a:rPr lang="de-AT" b="0" i="0" dirty="0">
-                <a:solidFill>
-                  <a:srgbClr val="222222"/>
-                </a:solidFill>
-                <a:effectLst/>
-                <a:latin typeface="Arial" panose="020B0604020202020204" pitchFamily="34" charset="0"/>
-              </a:rPr>
-              <a:t>." </a:t>
-            </a:r>
-            <a:r>
-              <a:rPr lang="de-AT" b="0" i="1" dirty="0">
-                <a:solidFill>
-                  <a:srgbClr val="222222"/>
-                </a:solidFill>
-                <a:effectLst/>
-                <a:latin typeface="Arial" panose="020B0604020202020204" pitchFamily="34" charset="0"/>
-              </a:rPr>
-              <a:t>2016 International Conference on Computing, Communication and Automation (ICCCA)</a:t>
-            </a:r>
-            <a:r>
-              <a:rPr lang="de-AT" b="0" i="0" dirty="0">
-                <a:solidFill>
-                  <a:srgbClr val="222222"/>
-                </a:solidFill>
-                <a:effectLst/>
-                <a:latin typeface="Arial" panose="020B0604020202020204" pitchFamily="34" charset="0"/>
-              </a:rPr>
-              <a:t>. IEEE, 2016.</a:t>
-            </a:r>
-            <a:endParaRPr lang="en-US" b="0" i="0" dirty="0">
-              <a:solidFill>
-                <a:srgbClr val="222222"/>
-              </a:solidFill>
-              <a:effectLst/>
-              <a:latin typeface="Arial" panose="020B0604020202020204" pitchFamily="34" charset="0"/>
-            </a:endParaRPr>
-          </a:p>
-          <a:p>
-            <a:r>
-              <a:rPr lang="de-AT" dirty="0">
-                <a:hlinkClick r:id="rId2"/>
-              </a:rPr>
-              <a:t>https://github.com/KonstantinLukaschenko/genetic-algorithm-kotlin</a:t>
-            </a:r>
-            <a:endParaRPr lang="en-US" dirty="0">
-              <a:solidFill>
-                <a:srgbClr val="222222"/>
-              </a:solidFill>
-              <a:latin typeface="Arial" panose="020B0604020202020204" pitchFamily="34" charset="0"/>
-            </a:endParaRPr>
-          </a:p>
-        </p:txBody>
-      </p:sp>
+        </p:nvPicPr>
+        <p:blipFill>
+          <a:blip r:embed="rId2"/>
+          <a:stretch>
+            <a:fillRect/>
+          </a:stretch>
+        </p:blipFill>
+        <p:spPr>
+          <a:xfrm>
+            <a:off x="2032296" y="1846263"/>
+            <a:ext cx="8187733" cy="4022725"/>
+          </a:xfrm>
+        </p:spPr>
+      </p:pic>
     </p:spTree>
     <p:extLst>
       <p:ext uri="{BB962C8B-B14F-4D97-AF65-F5344CB8AC3E}">
-        <p14:creationId xmlns:p14="http://schemas.microsoft.com/office/powerpoint/2010/main" val="1727472176"/>
+        <p14:creationId xmlns:p14="http://schemas.microsoft.com/office/powerpoint/2010/main" val="3770069732"/>
       </p:ext>
     </p:extLst>
   </p:cSld>
